--- a/slides/interim-2023-07-19-glbf.pptx
+++ b/slides/interim-2023-07-19-glbf.pptx
@@ -51,6 +51,7 @@
     <p:sldId id="299" r:id="rId46"/>
     <p:sldId id="300" r:id="rId47"/>
     <p:sldId id="301" r:id="rId48"/>
+    <p:sldId id="302" r:id="rId49"/>
   </p:sldIdLst>
   <p:sldSz cx="12192000" cy="6858000"/>
   <p:notesSz cx="12192000" cy="6858000"/>
@@ -3682,7 +3683,7 @@
                 </a:solidFill>
                 <a:latin typeface="Calibri"/>
               </a:rPr>
-              <a:t>DetNet Interim meeting 07/19/2023, rev 0.1</a:t>
+              <a:t>DetNet Interim meeting 07/19/2023, rev 1.0</a:t>
             </a:r>
             <a:endParaRPr lang="en-US" sz="2400" b="0" strike="noStrike" spc="0">
               <a:solidFill>
@@ -4548,7 +4549,7 @@
                 <a:ea typeface="+mn-ea"/>
                 <a:cs typeface="+mn-cs"/>
               </a:rPr>
-              <a:t>		    </a:t>
+              <a:t>			    </a:t>
             </a:r>
             <a:r>
               <a:rPr lang="en-US" sz="2800" b="0" i="0" u="none" strike="noStrike" cap="none" spc="0">
@@ -4878,7 +4879,7 @@
         <p:spPr bwMode="auto">
           <a:xfrm flipH="0" flipV="0">
             <a:off x="1866126" y="1301302"/>
-            <a:ext cx="3131275" cy="457560"/>
+            <a:ext cx="1911634" cy="457560"/>
           </a:xfrm>
           <a:prstGeom prst="rect">
             <a:avLst/>
@@ -4895,7 +4896,7 @@
             </a:pPr>
             <a:r>
               <a:rPr sz="2400"/>
-              <a:t>R2: Router 1 (sender)</a:t>
+              <a:t>R2: Router 1 </a:t>
             </a:r>
             <a:endParaRPr sz="2400"/>
           </a:p>
@@ -4910,7 +4911,7 @@
         <p:spPr bwMode="auto">
           <a:xfrm flipH="0" flipV="0">
             <a:off x="7854265" y="1301302"/>
-            <a:ext cx="3283374" cy="457560"/>
+            <a:ext cx="1911634" cy="457560"/>
           </a:xfrm>
           <a:prstGeom prst="rect">
             <a:avLst/>
@@ -4927,7 +4928,7 @@
             </a:pPr>
             <a:r>
               <a:rPr sz="2400"/>
-              <a:t>R2: Router 2 (receiver)</a:t>
+              <a:t>R2: Router 2 </a:t>
             </a:r>
             <a:endParaRPr sz="2400"/>
           </a:p>
@@ -7982,7 +7983,7 @@
             </a:pPr>
             <a:r>
               <a:rPr/>
-              <a:t>Why we do not like per-hop, per-flow shaper</a:t>
+              <a:t>Why we do not like per-hop, per-flow bounded latency state</a:t>
             </a:r>
             <a:br>
               <a:rPr/>
@@ -8007,7 +8008,7 @@
         </p:nvSpPr>
         <p:spPr bwMode="auto">
           <a:xfrm flipH="0" flipV="0">
-            <a:off x="838199" y="1825624"/>
+            <a:off x="838199" y="1997763"/>
             <a:ext cx="10515600" cy="4815043"/>
           </a:xfrm>
         </p:spPr>
@@ -8022,7 +8023,7 @@
             </a:pPr>
             <a:r>
               <a:rPr/>
-              <a:t>Provisioning: every router hop needs to be provisioned with every flow and flow shaper parameter</a:t>
+              <a:t>Provisioning: every router hop needs to be provisioned with every flow keys and that flows shaper parameter</a:t>
             </a:r>
             <a:endParaRPr/>
           </a:p>
@@ -8072,7 +8073,7 @@
             </a:pPr>
             <a:r>
               <a:rPr/>
-              <a:t>Shaper-parameter read/calculate/write cycles: Need to have for large number of flows high-speed write memory so shaper state can get updated before next packet for same flow is processed</a:t>
+              <a:t>Shaper-parameter read/calculate/write cycles: Need to have for large number of flows high-speed write memory so shaper state can get updated before next packet for same flow is processed (high speed read/write cycles).</a:t>
             </a:r>
             <a:endParaRPr/>
           </a:p>
@@ -8082,7 +8083,7 @@
             </a:pPr>
             <a:r>
               <a:rPr/>
-              <a:t>These issues actually apply to interleaved regulators. Shapers do have on top also the expensive per-flow scheduling cost at high-speed. Interleaved regulators (only) optimized that problem away.</a:t>
+              <a:t>These issues apply to interleaved regulators. Shapers do have on top also require the expensive per-flow scheduling cost at high-speed. Interleaved regulators (only) optimized that problem away.</a:t>
             </a:r>
             <a:endParaRPr/>
           </a:p>
@@ -8287,7 +8288,7 @@
             </a:pPr>
             <a:r>
               <a:rPr lang="en-US"/>
-              <a:t>System model with RFC2212/TSN-ATS</a:t>
+              <a:t>System model with RFC2212 / TSN-ATS</a:t>
             </a:r>
             <a:endParaRPr lang="en-US" sz="1800"/>
           </a:p>
@@ -10015,7 +10016,7 @@
         <p:spPr bwMode="auto">
           <a:xfrm>
             <a:off x="3261198" y="5763211"/>
-            <a:ext cx="755527" cy="646330"/>
+            <a:ext cx="933243" cy="640440"/>
           </a:xfrm>
           <a:prstGeom prst="rect">
             <a:avLst/>
@@ -10033,7 +10034,7 @@
             </a:pPr>
             <a:r>
               <a:rPr lang="en-US"/>
-              <a:t>Ingres</a:t>
+              <a:t>Ingress</a:t>
             </a:r>
             <a:endParaRPr/>
           </a:p>
@@ -12493,7 +12494,7 @@
         <p:spPr bwMode="auto">
           <a:xfrm>
             <a:off x="3261198" y="5763211"/>
-            <a:ext cx="755527" cy="646330"/>
+            <a:ext cx="933243" cy="640440"/>
           </a:xfrm>
           <a:prstGeom prst="rect">
             <a:avLst/>
@@ -12511,7 +12512,7 @@
             </a:pPr>
             <a:r>
               <a:rPr lang="en-US"/>
-              <a:t>Ingres</a:t>
+              <a:t>Ingress</a:t>
             </a:r>
             <a:endParaRPr/>
           </a:p>
@@ -18533,7 +18534,7 @@
         <p:spPr bwMode="auto">
           <a:xfrm>
             <a:off x="3261198" y="5763211"/>
-            <a:ext cx="755527" cy="646330"/>
+            <a:ext cx="933243" cy="640440"/>
           </a:xfrm>
           <a:prstGeom prst="rect">
             <a:avLst/>
@@ -18551,7 +18552,7 @@
             </a:pPr>
             <a:r>
               <a:rPr lang="en-US"/>
-              <a:t>Ingres</a:t>
+              <a:t>Ingress</a:t>
             </a:r>
             <a:endParaRPr/>
           </a:p>
@@ -18884,9 +18885,9 @@
           <p:nvPr/>
         </p:nvSpPr>
         <p:spPr bwMode="auto">
-          <a:xfrm>
-            <a:off x="4179961" y="804223"/>
-            <a:ext cx="4954620" cy="1460459"/>
+          <a:xfrm flipH="0" flipV="0">
+            <a:off x="4179961" y="585271"/>
+            <a:ext cx="4954620" cy="1679412"/>
           </a:xfrm>
           <a:prstGeom prst="roundRect">
             <a:avLst>
@@ -19246,7 +19247,7 @@
           <a:xfrm>
             <a:off x="3175043" y="5105557"/>
             <a:ext cx="914400" cy="741405"/>
-            <a:chOff x="2767914" y="4979772"/>
+            <a:chOff x="0" y="0"/>
             <a:chExt cx="914400" cy="741405"/>
           </a:xfrm>
         </p:grpSpPr>
@@ -19258,7 +19259,7 @@
           </p:nvSpPr>
           <p:spPr bwMode="auto">
             <a:xfrm>
-              <a:off x="2767914" y="4983759"/>
+              <a:off x="0" y="3986"/>
               <a:ext cx="914400" cy="737418"/>
             </a:xfrm>
             <a:prstGeom prst="rect">
@@ -19308,8 +19309,8 @@
           </p:nvSpPr>
           <p:spPr bwMode="auto">
             <a:xfrm>
-              <a:off x="2811462" y="4979772"/>
-              <a:ext cx="813042" cy="738663"/>
+              <a:off x="47129" y="0"/>
+              <a:ext cx="806241" cy="731879"/>
             </a:xfrm>
             <a:prstGeom prst="rect">
               <a:avLst/>
@@ -19347,7 +19348,7 @@
               </a:pPr>
               <a:r>
                 <a:rPr lang="en-US" sz="1400"/>
-                <a:t>Ede</a:t>
+                <a:t>Edge</a:t>
               </a:r>
               <a:endParaRPr lang="en-US" sz="1200"/>
             </a:p>
@@ -19963,1222 +19964,6 @@
           </p:txBody>
         </p:sp>
       </p:grpSp>
-      <p:graphicFrame>
-        <p:nvGraphicFramePr>
-          <p:cNvPr id="1748669472" name="Table 4"/>
-          <p:cNvGraphicFramePr>
-            <a:graphicFrameLocks xmlns:a="http://schemas.openxmlformats.org/drawingml/2006/main"/>
-          </p:cNvGraphicFramePr>
-          <p:nvPr/>
-        </p:nvGraphicFramePr>
-        <p:xfrm>
-          <a:off x="4176977" y="2683562"/>
-          <a:ext cx="4762195" cy="764613"/>
-        </p:xfrm>
-        <a:graphic>
-          <a:graphicData uri="http://schemas.openxmlformats.org/drawingml/2006/table">
-            <a:tbl>
-              <a:tblPr firstRow="1" firstCol="0" lastRow="0" lastCol="0" bandRow="0" bandCol="0">
-                <a:tableStyleId>{F5AB1C69-6EDB-4FF4-983F-18BD219EF322}</a:tableStyleId>
-              </a:tblPr>
-              <a:tblGrid>
-                <a:gridCol w="1945843"/>
-                <a:gridCol w="416965"/>
-                <a:gridCol w="534009"/>
-                <a:gridCol w="380389"/>
-                <a:gridCol w="241401"/>
-                <a:gridCol w="526693"/>
-                <a:gridCol w="329184"/>
-                <a:gridCol w="387705"/>
-              </a:tblGrid>
-              <a:tr h="66200">
-                <a:tc gridSpan="2">
-                  <a:txBody>
-                    <a:bodyPr/>
-                    <a:p>
-                      <a:pPr algn="ctr">
-                        <a:defRPr/>
-                      </a:pPr>
-                      <a:r>
-                        <a:rPr lang="en-US" sz="800" spc="0">
-                          <a:solidFill>
-                            <a:schemeClr val="tx2"/>
-                          </a:solidFill>
-                        </a:rPr>
-                        <a:t>(1) Look up Flow </a:t>
-                      </a:r>
-                      <a:r>
-                        <a:rPr lang="en-US" sz="800" i="1" spc="0">
-                          <a:solidFill>
-                            <a:schemeClr val="tx2"/>
-                          </a:solidFill>
-                        </a:rPr>
-                        <a:t>k</a:t>
-                      </a:r>
-                      <a:endParaRPr/>
-                    </a:p>
-                  </a:txBody>
-                  <a:tcPr marL="0" marR="0" marT="0" marB="0">
-                    <a:lnL w="12699" algn="ctr">
-                      <a:noFill/>
-                    </a:lnL>
-                    <a:lnR w="12699" algn="ctr">
-                      <a:noFill/>
-                    </a:lnR>
-                    <a:lnT w="12699" algn="ctr">
-                      <a:noFill/>
-                    </a:lnT>
-                    <a:lnB w="38099" algn="ctr">
-                      <a:noFill/>
-                    </a:lnB>
-                    <a:solidFill>
-                      <a:schemeClr val="bg2"/>
-                    </a:solidFill>
-                  </a:tcPr>
-                </a:tc>
-                <a:tc hMerge="1">
-                  <a:txBody>
-                    <a:bodyPr/>
-                    <a:p>
-                      <a:endParaRPr/>
-                    </a:p>
-                  </a:txBody>
-                </a:tc>
-                <a:tc>
-                  <a:txBody>
-                    <a:bodyPr/>
-                    <a:p>
-                      <a:pPr algn="ctr">
-                        <a:defRPr/>
-                      </a:pPr>
-                      <a:r>
-                        <a:rPr lang="en-US" sz="800" i="1" spc="0">
-                          <a:solidFill>
-                            <a:schemeClr val="tx2"/>
-                          </a:solidFill>
-                        </a:rPr>
-                        <a:t>Steer Flow</a:t>
-                      </a:r>
-                      <a:endParaRPr/>
-                    </a:p>
-                  </a:txBody>
-                  <a:tcPr marL="0" marR="0" marT="0" marB="0">
-                    <a:lnL w="12699" algn="ctr">
-                      <a:noFill/>
-                    </a:lnL>
-                    <a:lnR w="12699" algn="ctr">
-                      <a:noFill/>
-                    </a:lnR>
-                    <a:lnT w="12699" algn="ctr">
-                      <a:noFill/>
-                    </a:lnT>
-                    <a:lnB w="38099" algn="ctr">
-                      <a:noFill/>
-                    </a:lnB>
-                    <a:solidFill>
-                      <a:schemeClr val="bg2"/>
-                    </a:solidFill>
-                  </a:tcPr>
-                </a:tc>
-                <a:tc gridSpan="4">
-                  <a:txBody>
-                    <a:bodyPr/>
-                    <a:p>
-                      <a:pPr algn="ctr">
-                        <a:defRPr/>
-                      </a:pPr>
-                      <a:r>
-                        <a:rPr lang="en-US" sz="800" spc="0">
-                          <a:solidFill>
-                            <a:schemeClr val="tx2"/>
-                          </a:solidFill>
-                        </a:rPr>
-                        <a:t>(2) Shaper  </a:t>
-                      </a:r>
-                      <a:r>
-                        <a:rPr lang="en-US" sz="800" spc="0">
-                          <a:solidFill>
-                            <a:schemeClr val="tx2"/>
-                          </a:solidFill>
-                        </a:rPr>
-                        <a:t>param</a:t>
-                      </a:r>
-                      <a:r>
-                        <a:rPr lang="en-US" sz="800" spc="0">
-                          <a:solidFill>
-                            <a:schemeClr val="tx2"/>
-                          </a:solidFill>
-                        </a:rPr>
-                        <a:t> / </a:t>
-                      </a:r>
-                      <a:r>
-                        <a:rPr lang="en-US" sz="800" spc="0">
-                          <a:solidFill>
-                            <a:schemeClr val="tx2"/>
-                          </a:solidFill>
-                        </a:rPr>
-                        <a:t>state </a:t>
-                      </a:r>
-                      <a:r>
-                        <a:rPr lang="en-US" sz="800" spc="0">
-                          <a:solidFill>
-                            <a:schemeClr val="tx2"/>
-                          </a:solidFill>
-                        </a:rPr>
-                        <a:t>vars</a:t>
-                      </a:r>
-                      <a:endParaRPr lang="en-US" sz="800" spc="0">
-                        <a:solidFill>
-                          <a:schemeClr val="tx2"/>
-                        </a:solidFill>
-                      </a:endParaRPr>
-                    </a:p>
-                  </a:txBody>
-                  <a:tcPr marL="0" marR="0" marT="0" marB="0">
-                    <a:lnL w="12699" algn="ctr">
-                      <a:noFill/>
-                    </a:lnL>
-                    <a:lnR w="12699" algn="ctr">
-                      <a:noFill/>
-                    </a:lnR>
-                    <a:lnT w="12699" algn="ctr">
-                      <a:noFill/>
-                    </a:lnT>
-                    <a:lnB w="38099" algn="ctr">
-                      <a:noFill/>
-                    </a:lnB>
-                    <a:solidFill>
-                      <a:schemeClr val="bg2"/>
-                    </a:solidFill>
-                  </a:tcPr>
-                </a:tc>
-                <a:tc hMerge="1">
-                  <a:txBody>
-                    <a:bodyPr/>
-                    <a:p>
-                      <a:endParaRPr/>
-                    </a:p>
-                  </a:txBody>
-                </a:tc>
-                <a:tc hMerge="1">
-                  <a:txBody>
-                    <a:bodyPr/>
-                    <a:p>
-                      <a:endParaRPr/>
-                    </a:p>
-                  </a:txBody>
-                </a:tc>
-                <a:tc hMerge="1">
-                  <a:txBody>
-                    <a:bodyPr/>
-                    <a:p>
-                      <a:endParaRPr/>
-                    </a:p>
-                  </a:txBody>
-                </a:tc>
-                <a:tc>
-                  <a:txBody>
-                    <a:bodyPr/>
-                    <a:p>
-                      <a:pPr algn="ctr">
-                        <a:defRPr/>
-                      </a:pPr>
-                      <a:r>
-                        <a:rPr lang="en-US" sz="800" i="1" spc="0">
-                          <a:solidFill>
-                            <a:schemeClr val="tx2"/>
-                          </a:solidFill>
-                        </a:rPr>
-                        <a:t>(3)</a:t>
-                      </a:r>
-                      <a:endParaRPr/>
-                    </a:p>
-                  </a:txBody>
-                  <a:tcPr marL="0" marR="0" marT="0" marB="0">
-                    <a:lnL w="12699" algn="ctr">
-                      <a:noFill/>
-                    </a:lnL>
-                    <a:lnR w="12699" algn="ctr">
-                      <a:noFill/>
-                    </a:lnR>
-                    <a:lnT w="12699" algn="ctr">
-                      <a:noFill/>
-                    </a:lnT>
-                    <a:lnB w="38099" algn="ctr">
-                      <a:noFill/>
-                    </a:lnB>
-                    <a:solidFill>
-                      <a:schemeClr val="bg2"/>
-                    </a:solidFill>
-                  </a:tcPr>
-                </a:tc>
-              </a:tr>
-              <a:tr h="69752">
-                <a:tc>
-                  <a:txBody>
-                    <a:bodyPr/>
-                    <a:p>
-                      <a:pPr algn="ctr">
-                        <a:defRPr/>
-                      </a:pPr>
-                      <a:r>
-                        <a:rPr lang="en-US" sz="800" spc="0">
-                          <a:solidFill>
-                            <a:schemeClr val="tx2"/>
-                          </a:solidFill>
-                        </a:rPr>
-                        <a:t>L2 (TSN) or L3 (DetNet)  Flow Key</a:t>
-                      </a:r>
-                      <a:endParaRPr/>
-                    </a:p>
-                  </a:txBody>
-                  <a:tcPr marL="0" marR="0" marT="0" marB="0">
-                    <a:lnL w="12699" algn="ctr">
-                      <a:noFill/>
-                    </a:lnL>
-                    <a:lnR w="12699" algn="ctr">
-                      <a:noFill/>
-                    </a:lnR>
-                    <a:lnT w="38099" algn="ctr">
-                      <a:noFill/>
-                    </a:lnT>
-                    <a:lnB w="12699" algn="ctr">
-                      <a:noFill/>
-                    </a:lnB>
-                    <a:solidFill>
-                      <a:schemeClr val="bg2"/>
-                    </a:solidFill>
-                  </a:tcPr>
-                </a:tc>
-                <a:tc>
-                  <a:txBody>
-                    <a:bodyPr/>
-                    <a:p>
-                      <a:pPr algn="ctr">
-                        <a:defRPr/>
-                      </a:pPr>
-                      <a:r>
-                        <a:rPr lang="en-US" sz="800" spc="0">
-                          <a:solidFill>
-                            <a:schemeClr val="tx2"/>
-                          </a:solidFill>
-                        </a:rPr>
-                        <a:t>Flow#</a:t>
-                      </a:r>
-                      <a:r>
-                        <a:rPr lang="en-US" sz="800" spc="0">
-                          <a:solidFill>
-                            <a:schemeClr val="tx2"/>
-                          </a:solidFill>
-                        </a:rPr>
-                        <a:t> </a:t>
-                      </a:r>
-                      <a:r>
-                        <a:rPr lang="en-US" sz="800" i="1" spc="0">
-                          <a:solidFill>
-                            <a:schemeClr val="tx2"/>
-                          </a:solidFill>
-                        </a:rPr>
-                        <a:t>k</a:t>
-                      </a:r>
-                      <a:endParaRPr/>
-                    </a:p>
-                  </a:txBody>
-                  <a:tcPr marL="0" marR="0" marT="0" marB="0">
-                    <a:lnL w="12699" algn="ctr">
-                      <a:noFill/>
-                    </a:lnL>
-                    <a:lnR w="12699" algn="ctr">
-                      <a:noFill/>
-                    </a:lnR>
-                    <a:lnT w="38099" algn="ctr">
-                      <a:noFill/>
-                    </a:lnT>
-                    <a:lnB w="12699" algn="ctr">
-                      <a:noFill/>
-                    </a:lnB>
-                    <a:solidFill>
-                      <a:schemeClr val="bg2"/>
-                    </a:solidFill>
-                  </a:tcPr>
-                </a:tc>
-                <a:tc>
-                  <a:txBody>
-                    <a:bodyPr/>
-                    <a:p>
-                      <a:pPr algn="ctr">
-                        <a:defRPr/>
-                      </a:pPr>
-                      <a:r>
-                        <a:rPr lang="en-US" sz="800" i="1" spc="0">
-                          <a:solidFill>
-                            <a:schemeClr val="tx2"/>
-                          </a:solidFill>
-                        </a:rPr>
-                        <a:t>Next Hop</a:t>
-                      </a:r>
-                      <a:endParaRPr/>
-                    </a:p>
-                  </a:txBody>
-                  <a:tcPr marL="0" marR="0" marT="0" marB="0">
-                    <a:lnL w="12699" algn="ctr">
-                      <a:noFill/>
-                    </a:lnL>
-                    <a:lnR w="12699" algn="ctr">
-                      <a:noFill/>
-                    </a:lnR>
-                    <a:lnT w="38099" algn="ctr">
-                      <a:noFill/>
-                    </a:lnT>
-                    <a:lnB w="12699" algn="ctr">
-                      <a:noFill/>
-                    </a:lnB>
-                    <a:solidFill>
-                      <a:schemeClr val="bg2"/>
-                    </a:solidFill>
-                  </a:tcPr>
-                </a:tc>
-                <a:tc>
-                  <a:txBody>
-                    <a:bodyPr/>
-                    <a:p>
-                      <a:pPr algn="ctr">
-                        <a:defRPr/>
-                      </a:pPr>
-                      <mc:AlternateContent xmlns:mc="http://schemas.openxmlformats.org/markup-compatibility/2006" xmlns:m="http://schemas.openxmlformats.org/officeDocument/2006/math">
-                        <mc:Choice xmlns:a14="http://schemas.microsoft.com/office/drawing/2010/main" Requires="a14">
-                          <a14:m>
-                            <m:oMathPara>
-                              <m:oMathParaPr/>
-                              <m:oMath>
-                                <m:acc>
-                                  <m:accPr>
-                                    <m:chr m:val="̂"/>
-                                    <m:ctrlPr>
-                                      <a:rPr lang="de-DE" sz="800" i="1">
-                                        <a:solidFill>
-                                          <a:schemeClr val="tx2"/>
-                                        </a:solidFill>
-                                        <a:latin typeface="Cambria Math"/>
-                                        <a:ea typeface="Cambria Math"/>
-                                        <a:cs typeface="Cambria Math"/>
-                                      </a:rPr>
-                                    </m:ctrlPr>
-                                  </m:accPr>
-                                  <m:e>
-                                    <m:r>
-                                      <m:rPr/>
-                                      <a:rPr lang="en-US" sz="800" i="1">
-                                        <a:solidFill>
-                                          <a:schemeClr val="tx2"/>
-                                        </a:solidFill>
-                                        <a:latin typeface="Cambria Math"/>
-                                      </a:rPr>
-                                      <m:t>𝑟</m:t>
-                                    </m:r>
-                                  </m:e>
-                                </m:acc>
-                              </m:oMath>
-                            </m:oMathPara>
-                          </a14:m>
-                        </mc:Choice>
-                        <mc:Fallback/>
-                      </mc:AlternateContent>
-                      <a:r>
-                        <a:rPr lang="de-DE" sz="800" baseline="-25000">
-                          <a:solidFill>
-                            <a:schemeClr val="tx2"/>
-                          </a:solidFill>
-                        </a:rPr>
-                        <a:t>k</a:t>
-                      </a:r>
-                      <a:endParaRPr lang="en-US" sz="800" spc="0">
-                        <a:solidFill>
-                          <a:schemeClr val="tx2"/>
-                        </a:solidFill>
-                      </a:endParaRPr>
-                    </a:p>
-                  </a:txBody>
-                  <a:tcPr marL="0" marR="0" marT="0" marB="0">
-                    <a:lnL w="12699" algn="ctr">
-                      <a:noFill/>
-                    </a:lnL>
-                    <a:lnR w="12699" algn="ctr">
-                      <a:noFill/>
-                    </a:lnR>
-                    <a:lnT w="38099" algn="ctr">
-                      <a:noFill/>
-                    </a:lnT>
-                    <a:lnB w="12699" algn="ctr">
-                      <a:noFill/>
-                    </a:lnB>
-                    <a:solidFill>
-                      <a:schemeClr val="bg2"/>
-                    </a:solidFill>
-                  </a:tcPr>
-                </a:tc>
-                <a:tc>
-                  <a:txBody>
-                    <a:bodyPr/>
-                    <a:p>
-                      <a:pPr algn="ctr">
-                        <a:defRPr/>
-                      </a:pPr>
-                      <mc:AlternateContent xmlns:mc="http://schemas.openxmlformats.org/markup-compatibility/2006" xmlns:m="http://schemas.openxmlformats.org/officeDocument/2006/math">
-                        <mc:Choice xmlns:a14="http://schemas.microsoft.com/office/drawing/2010/main" Requires="a14">
-                          <a14:m>
-                            <m:oMathPara>
-                              <m:oMathParaPr/>
-                              <m:oMath>
-                                <m:acc>
-                                  <m:accPr>
-                                    <m:chr m:val="̂"/>
-                                    <m:ctrlPr>
-                                      <a:rPr lang="de-DE" sz="800" i="1">
-                                        <a:solidFill>
-                                          <a:schemeClr val="tx2"/>
-                                        </a:solidFill>
-                                        <a:latin typeface="Cambria Math"/>
-                                        <a:ea typeface="Cambria Math"/>
-                                        <a:cs typeface="Cambria Math"/>
-                                      </a:rPr>
-                                    </m:ctrlPr>
-                                  </m:accPr>
-                                  <m:e>
-                                    <m:r>
-                                      <m:rPr/>
-                                      <a:rPr lang="en-US" sz="800" b="1" i="1">
-                                        <a:solidFill>
-                                          <a:schemeClr val="tx2"/>
-                                        </a:solidFill>
-                                        <a:latin typeface="Cambria Math"/>
-                                      </a:rPr>
-                                      <m:t>𝒃</m:t>
-                                    </m:r>
-                                  </m:e>
-                                </m:acc>
-                              </m:oMath>
-                            </m:oMathPara>
-                          </a14:m>
-                        </mc:Choice>
-                        <mc:Fallback/>
-                      </mc:AlternateContent>
-                      <a:r>
-                        <a:rPr lang="de-DE" sz="800" baseline="-25000">
-                          <a:solidFill>
-                            <a:schemeClr val="tx2"/>
-                          </a:solidFill>
-                        </a:rPr>
-                        <a:t>k</a:t>
-                      </a:r>
-                      <a:endParaRPr lang="en-US" sz="800" spc="0">
-                        <a:solidFill>
-                          <a:schemeClr val="tx2"/>
-                        </a:solidFill>
-                      </a:endParaRPr>
-                    </a:p>
-                  </a:txBody>
-                  <a:tcPr marL="0" marR="0" marT="0" marB="0">
-                    <a:lnL w="12699" algn="ctr">
-                      <a:noFill/>
-                    </a:lnL>
-                    <a:lnR w="12699" algn="ctr">
-                      <a:noFill/>
-                    </a:lnR>
-                    <a:lnT w="38099" algn="ctr">
-                      <a:noFill/>
-                    </a:lnT>
-                    <a:lnB w="12699" algn="ctr">
-                      <a:noFill/>
-                    </a:lnB>
-                    <a:solidFill>
-                      <a:schemeClr val="bg2"/>
-                    </a:solidFill>
-                  </a:tcPr>
-                </a:tc>
-                <a:tc>
-                  <a:txBody>
-                    <a:bodyPr/>
-                    <a:p>
-                      <a:pPr algn="ctr">
-                        <a:defRPr/>
-                      </a:pPr>
-                      <a:r>
-                        <a:rPr lang="en-US" sz="800" spc="0">
-                          <a:solidFill>
-                            <a:schemeClr val="tx2"/>
-                          </a:solidFill>
-                        </a:rPr>
-                        <a:t>time</a:t>
-                      </a:r>
-                      <a:r>
-                        <a:rPr lang="en-US" sz="800" spc="0">
-                          <a:solidFill>
-                            <a:schemeClr val="tx2"/>
-                          </a:solidFill>
-                        </a:rPr>
-                        <a:t> </a:t>
-                      </a:r>
-                      <a:r>
-                        <a:rPr lang="en-US" sz="800" spc="0">
-                          <a:solidFill>
-                            <a:schemeClr val="tx2"/>
-                          </a:solidFill>
-                        </a:rPr>
-                        <a:t>stamp</a:t>
-                      </a:r>
-                      <a:endParaRPr/>
-                    </a:p>
-                  </a:txBody>
-                  <a:tcPr marL="0" marR="0" marT="0" marB="0">
-                    <a:lnL w="12699" algn="ctr">
-                      <a:noFill/>
-                    </a:lnL>
-                    <a:lnR w="12699" algn="ctr">
-                      <a:noFill/>
-                    </a:lnR>
-                    <a:lnT w="38099" algn="ctr">
-                      <a:noFill/>
-                    </a:lnT>
-                    <a:lnB w="12699" algn="ctr">
-                      <a:noFill/>
-                    </a:lnB>
-                    <a:solidFill>
-                      <a:schemeClr val="bg2"/>
-                    </a:solidFill>
-                  </a:tcPr>
-                </a:tc>
-                <a:tc>
-                  <a:txBody>
-                    <a:bodyPr/>
-                    <a:p>
-                      <a:pPr algn="ctr">
-                        <a:defRPr/>
-                      </a:pPr>
-                      <a:r>
-                        <a:rPr lang="en-US" sz="800" spc="0">
-                          <a:solidFill>
-                            <a:schemeClr val="tx2"/>
-                          </a:solidFill>
-                        </a:rPr>
-                        <a:t>level</a:t>
-                      </a:r>
-                      <a:endParaRPr/>
-                    </a:p>
-                  </a:txBody>
-                  <a:tcPr marL="0" marR="0" marT="0" marB="0">
-                    <a:lnL w="12699" algn="ctr">
-                      <a:noFill/>
-                    </a:lnL>
-                    <a:lnR w="12699" algn="ctr">
-                      <a:noFill/>
-                    </a:lnR>
-                    <a:lnT w="38099" algn="ctr">
-                      <a:noFill/>
-                    </a:lnT>
-                    <a:lnB w="12699" algn="ctr">
-                      <a:noFill/>
-                    </a:lnB>
-                    <a:solidFill>
-                      <a:schemeClr val="bg2"/>
-                    </a:solidFill>
-                  </a:tcPr>
-                </a:tc>
-                <a:tc>
-                  <a:txBody>
-                    <a:bodyPr/>
-                    <a:p>
-                      <a:pPr algn="ctr">
-                        <a:defRPr/>
-                      </a:pPr>
-                      <a:r>
-                        <a:rPr lang="en-US" sz="800" i="1" spc="0">
-                          <a:solidFill>
-                            <a:schemeClr val="tx2"/>
-                          </a:solidFill>
-                        </a:rPr>
-                        <a:t>Queue</a:t>
-                      </a:r>
-                      <a:endParaRPr/>
-                    </a:p>
-                  </a:txBody>
-                  <a:tcPr marL="0" marR="0" marT="0" marB="0">
-                    <a:lnL w="12699" algn="ctr">
-                      <a:noFill/>
-                    </a:lnL>
-                    <a:lnR w="12699" algn="ctr">
-                      <a:noFill/>
-                    </a:lnR>
-                    <a:lnT w="38099" algn="ctr">
-                      <a:noFill/>
-                    </a:lnT>
-                    <a:lnB w="12699" algn="ctr">
-                      <a:noFill/>
-                    </a:lnB>
-                    <a:solidFill>
-                      <a:schemeClr val="bg2"/>
-                    </a:solidFill>
-                  </a:tcPr>
-                </a:tc>
-              </a:tr>
-              <a:tr h="66200">
-                <a:tc>
-                  <a:txBody>
-                    <a:bodyPr/>
-                    <a:p>
-                      <a:pPr algn="ctr">
-                        <a:defRPr/>
-                      </a:pPr>
-                      <a:r>
-                        <a:rPr lang="en-US" sz="800" spc="0"/>
-                        <a:t>(S1,D1,Sport1, Dport1, Prot1)</a:t>
-                      </a:r>
-                      <a:endParaRPr/>
-                    </a:p>
-                  </a:txBody>
-                  <a:tcPr marL="0" marR="0" marT="0" marB="0">
-                    <a:lnT w="12699" algn="ctr">
-                      <a:noFill/>
-                    </a:lnT>
-                  </a:tcPr>
-                </a:tc>
-                <a:tc>
-                  <a:txBody>
-                    <a:bodyPr/>
-                    <a:p>
-                      <a:pPr algn="ctr">
-                        <a:defRPr/>
-                      </a:pPr>
-                      <a:r>
-                        <a:rPr lang="en-US" sz="800" spc="0"/>
-                        <a:t>1</a:t>
-                      </a:r>
-                      <a:endParaRPr/>
-                    </a:p>
-                  </a:txBody>
-                  <a:tcPr marL="0" marR="0" marT="0" marB="0">
-                    <a:lnT w="12699" algn="ctr">
-                      <a:noFill/>
-                    </a:lnT>
-                  </a:tcPr>
-                </a:tc>
-                <a:tc>
-                  <a:txBody>
-                    <a:bodyPr/>
-                    <a:p>
-                      <a:pPr algn="ctr">
-                        <a:defRPr/>
-                      </a:pPr>
-                      <a:r>
-                        <a:rPr lang="is-IS" sz="800" spc="0"/>
-                        <a:t>…</a:t>
-                      </a:r>
-                      <a:endParaRPr lang="en-US" sz="800" spc="0"/>
-                    </a:p>
-                  </a:txBody>
-                  <a:tcPr marL="0" marR="0" marT="0" marB="0">
-                    <a:lnT w="12699" algn="ctr">
-                      <a:noFill/>
-                    </a:lnT>
-                  </a:tcPr>
-                </a:tc>
-                <a:tc>
-                  <a:txBody>
-                    <a:bodyPr/>
-                    <a:p>
-                      <a:pPr algn="ctr">
-                        <a:defRPr/>
-                      </a:pPr>
-                      <a:r>
-                        <a:rPr lang="is-IS" sz="800" spc="0"/>
-                        <a:t>…</a:t>
-                      </a:r>
-                      <a:endParaRPr lang="en-US" sz="800" spc="0"/>
-                    </a:p>
-                  </a:txBody>
-                  <a:tcPr marL="0" marR="0" marT="0" marB="0">
-                    <a:lnT w="12699" algn="ctr">
-                      <a:noFill/>
-                    </a:lnT>
-                  </a:tcPr>
-                </a:tc>
-                <a:tc>
-                  <a:txBody>
-                    <a:bodyPr/>
-                    <a:p>
-                      <a:pPr algn="ctr">
-                        <a:defRPr/>
-                      </a:pPr>
-                      <a:r>
-                        <a:rPr lang="is-IS" sz="800" spc="0"/>
-                        <a:t>…</a:t>
-                      </a:r>
-                      <a:endParaRPr lang="en-US" sz="800" spc="0"/>
-                    </a:p>
-                  </a:txBody>
-                  <a:tcPr marL="0" marR="0" marT="0" marB="0">
-                    <a:lnT w="12699" algn="ctr">
-                      <a:noFill/>
-                    </a:lnT>
-                  </a:tcPr>
-                </a:tc>
-                <a:tc>
-                  <a:txBody>
-                    <a:bodyPr/>
-                    <a:p>
-                      <a:pPr algn="ctr">
-                        <a:defRPr/>
-                      </a:pPr>
-                      <a:r>
-                        <a:rPr lang="is-IS" sz="800" spc="0"/>
-                        <a:t>…</a:t>
-                      </a:r>
-                      <a:endParaRPr lang="en-US" sz="800" spc="0"/>
-                    </a:p>
-                  </a:txBody>
-                  <a:tcPr marL="0" marR="0" marT="0" marB="0">
-                    <a:lnT w="12699" algn="ctr">
-                      <a:noFill/>
-                    </a:lnT>
-                  </a:tcPr>
-                </a:tc>
-                <a:tc>
-                  <a:txBody>
-                    <a:bodyPr/>
-                    <a:p>
-                      <a:pPr algn="ctr">
-                        <a:defRPr/>
-                      </a:pPr>
-                      <a:r>
-                        <a:rPr lang="is-IS" sz="800" spc="0"/>
-                        <a:t>…</a:t>
-                      </a:r>
-                      <a:endParaRPr lang="en-US" sz="800" spc="0"/>
-                    </a:p>
-                  </a:txBody>
-                  <a:tcPr marL="0" marR="0" marT="0" marB="0">
-                    <a:lnT w="12699" algn="ctr">
-                      <a:noFill/>
-                    </a:lnT>
-                  </a:tcPr>
-                </a:tc>
-                <a:tc>
-                  <a:txBody>
-                    <a:bodyPr/>
-                    <a:p>
-                      <a:pPr algn="ctr">
-                        <a:defRPr/>
-                      </a:pPr>
-                      <a:r>
-                        <a:rPr lang="en-US" sz="800" spc="0"/>
-                        <a:t>5</a:t>
-                      </a:r>
-                      <a:endParaRPr/>
-                    </a:p>
-                  </a:txBody>
-                  <a:tcPr marL="0" marR="0" marT="0" marB="0">
-                    <a:lnT w="12699" algn="ctr">
-                      <a:noFill/>
-                    </a:lnT>
-                  </a:tcPr>
-                </a:tc>
-              </a:tr>
-              <a:tr h="65448">
-                <a:tc>
-                  <a:txBody>
-                    <a:bodyPr/>
-                    <a:p>
-                      <a:pPr marL="0" marR="0" indent="0" algn="ctr" defTabSz="685782">
-                        <a:lnSpc>
-                          <a:spcPct val="100000"/>
-                        </a:lnSpc>
-                        <a:spcBef>
-                          <a:spcPts val="0"/>
-                        </a:spcBef>
-                        <a:spcAft>
-                          <a:spcPts val="0"/>
-                        </a:spcAft>
-                        <a:buClrTx/>
-                        <a:buSzTx/>
-                        <a:buFontTx/>
-                        <a:buNone/>
-                        <a:defRPr/>
-                      </a:pPr>
-                      <a:r>
-                        <a:rPr lang="en-US" sz="800" spc="0"/>
-                        <a:t>(S2,D2,Sport2, Dport2, Prot2)</a:t>
-                      </a:r>
-                      <a:endParaRPr/>
-                    </a:p>
-                  </a:txBody>
-                  <a:tcPr marL="0" marR="0" marT="0" marB="0"/>
-                </a:tc>
-                <a:tc>
-                  <a:txBody>
-                    <a:bodyPr/>
-                    <a:p>
-                      <a:pPr algn="ctr">
-                        <a:defRPr/>
-                      </a:pPr>
-                      <a:r>
-                        <a:rPr lang="en-US" sz="800" spc="0"/>
-                        <a:t>2</a:t>
-                      </a:r>
-                      <a:endParaRPr/>
-                    </a:p>
-                  </a:txBody>
-                  <a:tcPr marL="0" marR="0" marT="0" marB="0"/>
-                </a:tc>
-                <a:tc>
-                  <a:txBody>
-                    <a:bodyPr/>
-                    <a:p>
-                      <a:pPr algn="ctr">
-                        <a:defRPr/>
-                      </a:pPr>
-                      <a:r>
-                        <a:rPr lang="is-IS" sz="800" spc="0"/>
-                        <a:t>…</a:t>
-                      </a:r>
-                      <a:endParaRPr lang="en-US" sz="800" spc="0"/>
-                    </a:p>
-                  </a:txBody>
-                  <a:tcPr marL="0" marR="0" marT="0" marB="0"/>
-                </a:tc>
-                <a:tc>
-                  <a:txBody>
-                    <a:bodyPr/>
-                    <a:p>
-                      <a:pPr algn="ctr">
-                        <a:defRPr/>
-                      </a:pPr>
-                      <a:r>
-                        <a:rPr lang="is-IS" sz="800" spc="0"/>
-                        <a:t>…</a:t>
-                      </a:r>
-                      <a:endParaRPr lang="en-US" sz="800" spc="0"/>
-                    </a:p>
-                  </a:txBody>
-                  <a:tcPr marL="0" marR="0" marT="0" marB="0"/>
-                </a:tc>
-                <a:tc>
-                  <a:txBody>
-                    <a:bodyPr/>
-                    <a:p>
-                      <a:pPr algn="ctr">
-                        <a:defRPr/>
-                      </a:pPr>
-                      <a:r>
-                        <a:rPr lang="is-IS" sz="800" spc="0"/>
-                        <a:t>…</a:t>
-                      </a:r>
-                      <a:endParaRPr lang="en-US" sz="800" spc="0"/>
-                    </a:p>
-                  </a:txBody>
-                  <a:tcPr marL="0" marR="0" marT="0" marB="0"/>
-                </a:tc>
-                <a:tc>
-                  <a:txBody>
-                    <a:bodyPr/>
-                    <a:p>
-                      <a:pPr algn="ctr">
-                        <a:defRPr/>
-                      </a:pPr>
-                      <a:r>
-                        <a:rPr lang="is-IS" sz="800" spc="0"/>
-                        <a:t>…</a:t>
-                      </a:r>
-                      <a:endParaRPr lang="en-US" sz="800" spc="0"/>
-                    </a:p>
-                  </a:txBody>
-                  <a:tcPr marL="0" marR="0" marT="0" marB="0"/>
-                </a:tc>
-                <a:tc>
-                  <a:txBody>
-                    <a:bodyPr/>
-                    <a:p>
-                      <a:pPr algn="ctr">
-                        <a:defRPr/>
-                      </a:pPr>
-                      <a:r>
-                        <a:rPr lang="is-IS" sz="800" spc="0"/>
-                        <a:t>…</a:t>
-                      </a:r>
-                      <a:endParaRPr lang="en-US" sz="800" spc="0"/>
-                    </a:p>
-                  </a:txBody>
-                  <a:tcPr marL="0" marR="0" marT="0" marB="0"/>
-                </a:tc>
-                <a:tc>
-                  <a:txBody>
-                    <a:bodyPr/>
-                    <a:p>
-                      <a:pPr algn="ctr">
-                        <a:defRPr/>
-                      </a:pPr>
-                      <a:r>
-                        <a:rPr lang="en-US" sz="800" spc="0"/>
-                        <a:t>3</a:t>
-                      </a:r>
-                      <a:endParaRPr/>
-                    </a:p>
-                  </a:txBody>
-                  <a:tcPr marL="0" marR="0" marT="0" marB="0"/>
-                </a:tc>
-              </a:tr>
-              <a:tr h="50114">
-                <a:tc>
-                  <a:txBody>
-                    <a:bodyPr/>
-                    <a:p>
-                      <a:pPr algn="ctr">
-                        <a:defRPr/>
-                      </a:pPr>
-                      <a:endParaRPr lang="en-US" sz="800" spc="0"/>
-                    </a:p>
-                  </a:txBody>
-                  <a:tcPr marL="0" marR="0" marT="0" marB="0"/>
-                </a:tc>
-                <a:tc>
-                  <a:txBody>
-                    <a:bodyPr/>
-                    <a:p>
-                      <a:pPr algn="ctr">
-                        <a:defRPr/>
-                      </a:pPr>
-                      <a:r>
-                        <a:rPr lang="is-IS" sz="800" spc="0"/>
-                        <a:t>        …</a:t>
-                      </a:r>
-                      <a:endParaRPr lang="en-US" sz="800" spc="0"/>
-                    </a:p>
-                  </a:txBody>
-                  <a:tcPr marL="0" marR="0" marT="0" marB="0"/>
-                </a:tc>
-                <a:tc>
-                  <a:txBody>
-                    <a:bodyPr/>
-                    <a:p>
-                      <a:pPr algn="ctr">
-                        <a:defRPr/>
-                      </a:pPr>
-                      <a:r>
-                        <a:rPr lang="is-IS" sz="800" spc="0"/>
-                        <a:t>…</a:t>
-                      </a:r>
-                      <a:endParaRPr lang="en-US" sz="800" spc="0"/>
-                    </a:p>
-                  </a:txBody>
-                  <a:tcPr marL="0" marR="0" marT="0" marB="0"/>
-                </a:tc>
-                <a:tc>
-                  <a:txBody>
-                    <a:bodyPr/>
-                    <a:p>
-                      <a:pPr algn="ctr">
-                        <a:defRPr/>
-                      </a:pPr>
-                      <a:endParaRPr lang="en-US" sz="800" spc="0"/>
-                    </a:p>
-                  </a:txBody>
-                  <a:tcPr marL="0" marR="0" marT="0" marB="0"/>
-                </a:tc>
-                <a:tc>
-                  <a:txBody>
-                    <a:bodyPr/>
-                    <a:p>
-                      <a:pPr algn="ctr">
-                        <a:defRPr/>
-                      </a:pPr>
-                      <a:endParaRPr lang="en-US" sz="800" spc="0"/>
-                    </a:p>
-                  </a:txBody>
-                  <a:tcPr marL="0" marR="0" marT="0" marB="0"/>
-                </a:tc>
-                <a:tc>
-                  <a:txBody>
-                    <a:bodyPr/>
-                    <a:p>
-                      <a:pPr algn="ctr">
-                        <a:defRPr/>
-                      </a:pPr>
-                      <a:endParaRPr lang="en-US" sz="800" spc="0"/>
-                    </a:p>
-                  </a:txBody>
-                  <a:tcPr marL="0" marR="0" marT="0" marB="0"/>
-                </a:tc>
-                <a:tc>
-                  <a:txBody>
-                    <a:bodyPr/>
-                    <a:p>
-                      <a:pPr algn="ctr">
-                        <a:defRPr/>
-                      </a:pPr>
-                      <a:endParaRPr lang="en-US" sz="800" spc="0"/>
-                    </a:p>
-                  </a:txBody>
-                  <a:tcPr marL="0" marR="0" marT="0" marB="0"/>
-                </a:tc>
-                <a:tc>
-                  <a:txBody>
-                    <a:bodyPr/>
-                    <a:p>
-                      <a:pPr algn="ctr">
-                        <a:defRPr/>
-                      </a:pPr>
-                      <a:endParaRPr lang="en-US" sz="800" spc="0"/>
-                    </a:p>
-                  </a:txBody>
-                  <a:tcPr marL="0" marR="0" marT="0" marB="0"/>
-                </a:tc>
-              </a:tr>
-              <a:tr h="148473">
-                <a:tc>
-                  <a:txBody>
-                    <a:bodyPr/>
-                    <a:p>
-                      <a:pPr marL="0" marR="0" indent="0" algn="ctr" defTabSz="685782">
-                        <a:lnSpc>
-                          <a:spcPct val="100000"/>
-                        </a:lnSpc>
-                        <a:spcBef>
-                          <a:spcPts val="0"/>
-                        </a:spcBef>
-                        <a:spcAft>
-                          <a:spcPts val="0"/>
-                        </a:spcAft>
-                        <a:buClrTx/>
-                        <a:buSzTx/>
-                        <a:buFontTx/>
-                        <a:buNone/>
-                        <a:defRPr/>
-                      </a:pPr>
-                      <a:r>
-                        <a:rPr lang="en-US" sz="800" spc="0"/>
-                        <a:t>(S50k,D50k,Sport50k, Dport50k, Prot50k)</a:t>
-                      </a:r>
-                      <a:endParaRPr/>
-                    </a:p>
-                  </a:txBody>
-                  <a:tcPr marL="0" marR="0" marT="0" marB="0"/>
-                </a:tc>
-                <a:tc>
-                  <a:txBody>
-                    <a:bodyPr/>
-                    <a:p>
-                      <a:pPr algn="ctr">
-                        <a:defRPr/>
-                      </a:pPr>
-                      <a:r>
-                        <a:rPr lang="en-US" sz="800" spc="0"/>
-                        <a:t>50,000</a:t>
-                      </a:r>
-                      <a:endParaRPr/>
-                    </a:p>
-                  </a:txBody>
-                  <a:tcPr marL="0" marR="0" marT="0" marB="0"/>
-                </a:tc>
-                <a:tc>
-                  <a:txBody>
-                    <a:bodyPr/>
-                    <a:p>
-                      <a:pPr algn="ctr">
-                        <a:defRPr/>
-                      </a:pPr>
-                      <a:r>
-                        <a:rPr lang="en-US" sz="800" spc="0"/>
-                        <a:t>...</a:t>
-                      </a:r>
-                      <a:endParaRPr/>
-                    </a:p>
-                  </a:txBody>
-                  <a:tcPr marL="0" marR="0" marT="0" marB="0"/>
-                </a:tc>
-                <a:tc>
-                  <a:txBody>
-                    <a:bodyPr/>
-                    <a:p>
-                      <a:pPr algn="ctr">
-                        <a:defRPr/>
-                      </a:pPr>
-                      <a:r>
-                        <a:rPr lang="is-IS" sz="800" spc="0"/>
-                        <a:t>…</a:t>
-                      </a:r>
-                      <a:endParaRPr lang="en-US" sz="800" spc="0"/>
-                    </a:p>
-                  </a:txBody>
-                  <a:tcPr marL="0" marR="0" marT="0" marB="0"/>
-                </a:tc>
-                <a:tc>
-                  <a:txBody>
-                    <a:bodyPr/>
-                    <a:p>
-                      <a:pPr algn="ctr">
-                        <a:defRPr/>
-                      </a:pPr>
-                      <a:r>
-                        <a:rPr lang="is-IS" sz="800" spc="0"/>
-                        <a:t>…</a:t>
-                      </a:r>
-                      <a:endParaRPr lang="en-US" sz="800" spc="0"/>
-                    </a:p>
-                  </a:txBody>
-                  <a:tcPr marL="0" marR="0" marT="0" marB="0"/>
-                </a:tc>
-                <a:tc>
-                  <a:txBody>
-                    <a:bodyPr/>
-                    <a:p>
-                      <a:pPr algn="ctr">
-                        <a:defRPr/>
-                      </a:pPr>
-                      <a:r>
-                        <a:rPr lang="is-IS" sz="800" spc="0"/>
-                        <a:t>…</a:t>
-                      </a:r>
-                      <a:endParaRPr lang="en-US" sz="800" spc="0"/>
-                    </a:p>
-                  </a:txBody>
-                  <a:tcPr marL="0" marR="0" marT="0" marB="0"/>
-                </a:tc>
-                <a:tc>
-                  <a:txBody>
-                    <a:bodyPr/>
-                    <a:p>
-                      <a:pPr algn="ctr">
-                        <a:defRPr/>
-                      </a:pPr>
-                      <a:r>
-                        <a:rPr lang="is-IS" sz="800" spc="0"/>
-                        <a:t>…</a:t>
-                      </a:r>
-                      <a:endParaRPr lang="en-US" sz="800" spc="0"/>
-                    </a:p>
-                  </a:txBody>
-                  <a:tcPr marL="0" marR="0" marT="0" marB="0"/>
-                </a:tc>
-                <a:tc>
-                  <a:txBody>
-                    <a:bodyPr/>
-                    <a:p>
-                      <a:pPr algn="ctr">
-                        <a:defRPr/>
-                      </a:pPr>
-                      <a:r>
-                        <a:rPr lang="en-US" sz="800" spc="0"/>
-                        <a:t>1</a:t>
-                      </a:r>
-                      <a:endParaRPr/>
-                    </a:p>
-                  </a:txBody>
-                  <a:tcPr marL="0" marR="0" marT="0" marB="0"/>
-                </a:tc>
-              </a:tr>
-            </a:tbl>
-          </a:graphicData>
-        </a:graphic>
-      </p:graphicFrame>
       <p:sp>
         <p:nvSpPr>
           <p:cNvPr id="1464068840" name="TextBox 99"/>
@@ -22127,8 +20912,8 @@
         </p:nvSpPr>
         <p:spPr bwMode="auto">
           <a:xfrm>
-            <a:off x="7850458" y="910274"/>
-            <a:ext cx="1297149" cy="400109"/>
+            <a:off x="6262536" y="524726"/>
+            <a:ext cx="2795392" cy="396599"/>
           </a:xfrm>
           <a:prstGeom prst="rect">
             <a:avLst/>
@@ -22150,7 +20935,7 @@
                   <a:srgbClr val="960000"/>
                 </a:solidFill>
               </a:rPr>
-              <a:t>Controller</a:t>
+              <a:t>DetNet controller-plane</a:t>
             </a:r>
             <a:endParaRPr lang="en-US" sz="2000">
               <a:solidFill>
@@ -22169,7 +20954,7 @@
         <p:spPr bwMode="auto">
           <a:xfrm>
             <a:off x="3261198" y="5763211"/>
-            <a:ext cx="755527" cy="646330"/>
+            <a:ext cx="933243" cy="640440"/>
           </a:xfrm>
           <a:prstGeom prst="rect">
             <a:avLst/>
@@ -22187,7 +20972,7 @@
             </a:pPr>
             <a:r>
               <a:rPr lang="en-US"/>
-              <a:t>Ingres</a:t>
+              <a:t>Ingress</a:t>
             </a:r>
             <a:endParaRPr/>
           </a:p>
@@ -22472,6 +21257,2511 @@
       </p:grpSpPr>
       <p:sp>
         <p:nvSpPr>
+          <p:cNvPr id="277452810" name="Rounded Rectangle 108"/>
+          <p:cNvSpPr/>
+          <p:nvPr/>
+        </p:nvSpPr>
+        <p:spPr bwMode="auto">
+          <a:xfrm flipH="0" flipV="0">
+            <a:off x="4179961" y="585271"/>
+            <a:ext cx="4954620" cy="1679412"/>
+          </a:xfrm>
+          <a:prstGeom prst="roundRect">
+            <a:avLst>
+              <a:gd name="adj" fmla="val 16667"/>
+            </a:avLst>
+          </a:prstGeom>
+          <a:solidFill>
+            <a:srgbClr val="E4D0FF"/>
+          </a:solidFill>
+          <a:ln>
+            <a:solidFill>
+              <a:srgbClr val="960000"/>
+            </a:solidFill>
+          </a:ln>
+        </p:spPr>
+        <p:style>
+          <a:lnRef idx="2">
+            <a:schemeClr val="accent1">
+              <a:shade val="50000"/>
+            </a:schemeClr>
+          </a:lnRef>
+          <a:fillRef idx="1">
+            <a:schemeClr val="accent1"/>
+          </a:fillRef>
+          <a:effectRef idx="0">
+            <a:schemeClr val="accent1"/>
+          </a:effectRef>
+          <a:fontRef idx="minor">
+            <a:schemeClr val="lt1"/>
+          </a:fontRef>
+        </p:style>
+        <p:txBody>
+          <a:bodyPr rtlCol="0" anchor="ctr"/>
+          <a:lstStyle/>
+          <a:p>
+            <a:pPr algn="ctr">
+              <a:defRPr/>
+            </a:pPr>
+            <a:endParaRPr lang="en-US"/>
+          </a:p>
+        </p:txBody>
+      </p:sp>
+      <p:sp>
+        <p:nvSpPr>
+          <p:cNvPr id="44751634" name="Cloud 90"/>
+          <p:cNvSpPr/>
+          <p:nvPr/>
+        </p:nvSpPr>
+        <p:spPr bwMode="auto">
+          <a:xfrm>
+            <a:off x="2728611" y="3925489"/>
+            <a:ext cx="7710616" cy="2322241"/>
+          </a:xfrm>
+          <a:prstGeom prst="cloud">
+            <a:avLst/>
+          </a:prstGeom>
+          <a:solidFill>
+            <a:srgbClr val="D2E7F0"/>
+          </a:solidFill>
+          <a:ln>
+            <a:noFill/>
+          </a:ln>
+        </p:spPr>
+        <p:style>
+          <a:lnRef idx="2">
+            <a:schemeClr val="accent1">
+              <a:shade val="50000"/>
+            </a:schemeClr>
+          </a:lnRef>
+          <a:fillRef idx="1">
+            <a:schemeClr val="accent1"/>
+          </a:fillRef>
+          <a:effectRef idx="0">
+            <a:schemeClr val="accent1"/>
+          </a:effectRef>
+          <a:fontRef idx="minor">
+            <a:schemeClr val="lt1"/>
+          </a:fontRef>
+        </p:style>
+        <p:txBody>
+          <a:bodyPr rtlCol="0" anchor="ctr"/>
+          <a:lstStyle/>
+          <a:p>
+            <a:pPr algn="ctr">
+              <a:defRPr/>
+            </a:pPr>
+            <a:endParaRPr lang="en-US"/>
+          </a:p>
+        </p:txBody>
+      </p:sp>
+      <p:cxnSp>
+        <p:nvCxnSpPr>
+          <p:cNvPr id="1309032921" name="Straight Arrow Connector 121"/>
+          <p:cNvCxnSpPr>
+            <a:cxnSpLocks/>
+            <a:endCxn id="1261361419" idx="0"/>
+          </p:cNvCxnSpPr>
+          <p:nvPr/>
+        </p:nvCxnSpPr>
+        <p:spPr bwMode="auto">
+          <a:xfrm flipH="1">
+            <a:off x="3625115" y="1826948"/>
+            <a:ext cx="2452305" cy="3278608"/>
+          </a:xfrm>
+          <a:prstGeom prst="straightConnector1">
+            <a:avLst/>
+          </a:prstGeom>
+          <a:ln w="38100">
+            <a:solidFill>
+              <a:srgbClr val="C00000"/>
+            </a:solidFill>
+            <a:tailEnd type="triangle"/>
+          </a:ln>
+        </p:spPr>
+        <p:style>
+          <a:lnRef idx="1">
+            <a:schemeClr val="accent1"/>
+          </a:lnRef>
+          <a:fillRef idx="0">
+            <a:schemeClr val="accent1"/>
+          </a:fillRef>
+          <a:effectRef idx="0">
+            <a:schemeClr val="accent1"/>
+          </a:effectRef>
+          <a:fontRef idx="minor">
+            <a:schemeClr val="tx1"/>
+          </a:fontRef>
+        </p:style>
+      </p:cxnSp>
+      <p:cxnSp>
+        <p:nvCxnSpPr>
+          <p:cNvPr id="1376551320" name="Straight Connector 87"/>
+          <p:cNvCxnSpPr>
+            <a:cxnSpLocks/>
+            <a:stCxn id="1165926414" idx="3"/>
+            <a:endCxn id="229124549" idx="1"/>
+          </p:cNvCxnSpPr>
+          <p:nvPr/>
+        </p:nvCxnSpPr>
+        <p:spPr bwMode="auto">
+          <a:xfrm>
+            <a:off x="2642114" y="5476261"/>
+            <a:ext cx="7895968" cy="0"/>
+          </a:xfrm>
+          <a:prstGeom prst="line">
+            <a:avLst/>
+          </a:prstGeom>
+          <a:ln w="28575">
+            <a:solidFill>
+              <a:schemeClr val="tx2"/>
+            </a:solidFill>
+          </a:ln>
+        </p:spPr>
+        <p:style>
+          <a:lnRef idx="1">
+            <a:schemeClr val="accent1"/>
+          </a:lnRef>
+          <a:fillRef idx="0">
+            <a:schemeClr val="accent1"/>
+          </a:fillRef>
+          <a:effectRef idx="0">
+            <a:schemeClr val="accent1"/>
+          </a:effectRef>
+          <a:fontRef idx="minor">
+            <a:schemeClr val="tx1"/>
+          </a:fontRef>
+        </p:style>
+      </p:cxnSp>
+      <p:sp>
+        <p:nvSpPr>
+          <p:cNvPr id="1851011421" name="Title 1"/>
+          <p:cNvSpPr>
+            <a:spLocks noGrp="1"/>
+          </p:cNvSpPr>
+          <p:nvPr>
+            <p:ph type="title"/>
+          </p:nvPr>
+        </p:nvSpPr>
+        <p:spPr bwMode="auto">
+          <a:xfrm>
+            <a:off x="434907" y="-64347"/>
+            <a:ext cx="11410243" cy="725890"/>
+          </a:xfrm>
+        </p:spPr>
+        <p:txBody>
+          <a:bodyPr>
+            <a:normAutofit/>
+          </a:bodyPr>
+          <a:lstStyle/>
+          <a:p>
+            <a:pPr>
+              <a:defRPr/>
+            </a:pPr>
+            <a:r>
+              <a:rPr lang="en-US"/>
+              <a:t>Desirable system model of latency guarantee </a:t>
+            </a:r>
+            <a:endParaRPr lang="en-US" sz="1800"/>
+          </a:p>
+        </p:txBody>
+      </p:sp>
+      <p:sp>
+        <p:nvSpPr>
+          <p:cNvPr id="1454810846" name="Slide Number Placeholder 3"/>
+          <p:cNvSpPr>
+            <a:spLocks noGrp="1"/>
+          </p:cNvSpPr>
+          <p:nvPr>
+            <p:ph type="sldNum" sz="quarter" idx="12"/>
+          </p:nvPr>
+        </p:nvSpPr>
+        <p:spPr bwMode="auto"/>
+        <p:txBody>
+          <a:bodyPr/>
+          <a:lstStyle/>
+          <a:p>
+            <a:pPr>
+              <a:defRPr/>
+            </a:pPr>
+            <a:r>
+              <a:rPr lang="en-US"/>
+              <a:t>  </a:t>
+            </a:r>
+            <a:endParaRPr/>
+          </a:p>
+        </p:txBody>
+      </p:sp>
+      <p:grpSp>
+        <p:nvGrpSpPr>
+          <p:cNvPr id="1591279537" name="Group 84"/>
+          <p:cNvGrpSpPr/>
+          <p:nvPr/>
+        </p:nvGrpSpPr>
+        <p:grpSpPr bwMode="auto">
+          <a:xfrm>
+            <a:off x="1777140" y="5107551"/>
+            <a:ext cx="864973" cy="737418"/>
+            <a:chOff x="1112107" y="4975586"/>
+            <a:chExt cx="864973" cy="737418"/>
+          </a:xfrm>
+          <a:solidFill>
+            <a:srgbClr val="C4FEF7"/>
+          </a:solidFill>
+        </p:grpSpPr>
+        <p:sp>
+          <p:nvSpPr>
+            <p:cNvPr id="1165926414" name="Rectangle 5"/>
+            <p:cNvSpPr/>
+            <p:nvPr/>
+          </p:nvSpPr>
+          <p:spPr bwMode="auto">
+            <a:xfrm>
+              <a:off x="1112107" y="4975586"/>
+              <a:ext cx="864973" cy="737418"/>
+            </a:xfrm>
+            <a:prstGeom prst="rect">
+              <a:avLst/>
+            </a:prstGeom>
+            <a:grpFill/>
+            <a:ln w="28575">
+              <a:solidFill>
+                <a:srgbClr val="00B050"/>
+              </a:solidFill>
+            </a:ln>
+          </p:spPr>
+          <p:style>
+            <a:lnRef idx="2">
+              <a:schemeClr val="accent1">
+                <a:shade val="50000"/>
+              </a:schemeClr>
+            </a:lnRef>
+            <a:fillRef idx="1">
+              <a:schemeClr val="accent1"/>
+            </a:fillRef>
+            <a:effectRef idx="0">
+              <a:schemeClr val="accent1"/>
+            </a:effectRef>
+            <a:fontRef idx="minor">
+              <a:schemeClr val="lt1"/>
+            </a:fontRef>
+          </p:style>
+          <p:txBody>
+            <a:bodyPr rtlCol="0" anchor="ctr"/>
+            <a:lstStyle/>
+            <a:p>
+              <a:pPr algn="ctr">
+                <a:defRPr/>
+              </a:pPr>
+              <a:endParaRPr lang="en-US"/>
+            </a:p>
+          </p:txBody>
+        </p:sp>
+        <p:sp>
+          <p:nvSpPr>
+            <p:cNvPr id="1799542293" name="TextBox 64"/>
+            <p:cNvSpPr txBox="1"/>
+            <p:nvPr/>
+          </p:nvSpPr>
+          <p:spPr bwMode="auto">
+            <a:xfrm>
+              <a:off x="1210962" y="5005742"/>
+              <a:ext cx="761746" cy="677107"/>
+            </a:xfrm>
+            <a:prstGeom prst="rect">
+              <a:avLst/>
+            </a:prstGeom>
+            <a:grpFill/>
+            <a:ln w="28575">
+              <a:noFill/>
+            </a:ln>
+          </p:spPr>
+          <p:txBody>
+            <a:bodyPr wrap="none" rtlCol="0">
+              <a:spAutoFit/>
+            </a:bodyPr>
+            <a:lstStyle/>
+            <a:p>
+              <a:pPr>
+                <a:defRPr/>
+              </a:pPr>
+              <a:r>
+                <a:rPr lang="en-US" sz="1400"/>
+                <a:t>Sender</a:t>
+              </a:r>
+              <a:endParaRPr/>
+            </a:p>
+            <a:p>
+              <a:pPr>
+                <a:defRPr/>
+              </a:pPr>
+              <a:r>
+                <a:rPr lang="en-US" sz="1200"/>
+                <a:t>e.g.</a:t>
+              </a:r>
+              <a:endParaRPr/>
+            </a:p>
+            <a:p>
+              <a:pPr>
+                <a:defRPr/>
+              </a:pPr>
+              <a:r>
+                <a:rPr lang="en-US" sz="1200"/>
+                <a:t>Flow k</a:t>
+              </a:r>
+              <a:endParaRPr/>
+            </a:p>
+          </p:txBody>
+        </p:sp>
+      </p:grpSp>
+      <p:grpSp>
+        <p:nvGrpSpPr>
+          <p:cNvPr id="572311364" name="Group 69"/>
+          <p:cNvGrpSpPr/>
+          <p:nvPr/>
+        </p:nvGrpSpPr>
+        <p:grpSpPr bwMode="auto">
+          <a:xfrm>
+            <a:off x="3175043" y="5105557"/>
+            <a:ext cx="914400" cy="741405"/>
+            <a:chOff x="0" y="0"/>
+            <a:chExt cx="914400" cy="741405"/>
+          </a:xfrm>
+        </p:grpSpPr>
+        <p:sp>
+          <p:nvSpPr>
+            <p:cNvPr id="875405187" name="Rectangle 65"/>
+            <p:cNvSpPr/>
+            <p:nvPr/>
+          </p:nvSpPr>
+          <p:spPr bwMode="auto">
+            <a:xfrm>
+              <a:off x="0" y="3986"/>
+              <a:ext cx="914400" cy="737418"/>
+            </a:xfrm>
+            <a:prstGeom prst="rect">
+              <a:avLst/>
+            </a:prstGeom>
+            <a:solidFill>
+              <a:schemeClr val="bg2"/>
+            </a:solidFill>
+            <a:ln>
+              <a:solidFill>
+                <a:schemeClr val="tx2"/>
+              </a:solidFill>
+            </a:ln>
+          </p:spPr>
+          <p:style>
+            <a:lnRef idx="2">
+              <a:schemeClr val="accent1">
+                <a:shade val="50000"/>
+              </a:schemeClr>
+            </a:lnRef>
+            <a:fillRef idx="1">
+              <a:schemeClr val="accent1"/>
+            </a:fillRef>
+            <a:effectRef idx="0">
+              <a:schemeClr val="accent1"/>
+            </a:effectRef>
+            <a:fontRef idx="minor">
+              <a:schemeClr val="lt1"/>
+            </a:fontRef>
+          </p:style>
+          <p:txBody>
+            <a:bodyPr rtlCol="0" anchor="ctr"/>
+            <a:lstStyle/>
+            <a:p>
+              <a:pPr algn="ctr">
+                <a:defRPr/>
+              </a:pPr>
+              <a:endParaRPr lang="en-US"/>
+            </a:p>
+          </p:txBody>
+        </p:sp>
+        <p:sp>
+          <p:nvSpPr>
+            <p:cNvPr id="1261361419" name="TextBox 66"/>
+            <p:cNvSpPr txBox="1"/>
+            <p:nvPr/>
+          </p:nvSpPr>
+          <p:spPr bwMode="auto">
+            <a:xfrm>
+              <a:off x="47129" y="0"/>
+              <a:ext cx="806241" cy="731879"/>
+            </a:xfrm>
+            <a:prstGeom prst="rect">
+              <a:avLst/>
+            </a:prstGeom>
+            <a:noFill/>
+          </p:spPr>
+          <p:txBody>
+            <a:bodyPr wrap="none" rtlCol="0">
+              <a:spAutoFit/>
+            </a:bodyPr>
+            <a:lstStyle/>
+            <a:p>
+              <a:pPr algn="ctr">
+                <a:defRPr/>
+              </a:pPr>
+              <a:r>
+                <a:rPr lang="en-US" sz="1400"/>
+                <a:t>Policing</a:t>
+              </a:r>
+              <a:endParaRPr/>
+            </a:p>
+            <a:p>
+              <a:pPr algn="ctr">
+                <a:defRPr/>
+              </a:pPr>
+              <a:r>
+                <a:rPr lang="en-US" sz="1400"/>
+                <a:t>Ingres</a:t>
+              </a:r>
+              <a:endParaRPr/>
+            </a:p>
+            <a:p>
+              <a:pPr algn="ctr">
+                <a:defRPr/>
+              </a:pPr>
+              <a:r>
+                <a:rPr lang="en-US" sz="1400"/>
+                <a:t>Edge</a:t>
+              </a:r>
+              <a:endParaRPr lang="en-US" sz="1200"/>
+            </a:p>
+          </p:txBody>
+        </p:sp>
+      </p:grpSp>
+      <p:grpSp>
+        <p:nvGrpSpPr>
+          <p:cNvPr id="719935126" name="Group 70"/>
+          <p:cNvGrpSpPr/>
+          <p:nvPr/>
+        </p:nvGrpSpPr>
+        <p:grpSpPr bwMode="auto">
+          <a:xfrm>
+            <a:off x="4608109" y="5105557"/>
+            <a:ext cx="998991" cy="741405"/>
+            <a:chOff x="2718486" y="4979772"/>
+            <a:chExt cx="998991" cy="741405"/>
+          </a:xfrm>
+          <a:solidFill>
+            <a:srgbClr val="E1FFD4"/>
+          </a:solidFill>
+        </p:grpSpPr>
+        <p:sp>
+          <p:nvSpPr>
+            <p:cNvPr id="1464399708" name="Rectangle 71"/>
+            <p:cNvSpPr/>
+            <p:nvPr/>
+          </p:nvSpPr>
+          <p:spPr bwMode="auto">
+            <a:xfrm>
+              <a:off x="2767914" y="4983759"/>
+              <a:ext cx="914400" cy="737418"/>
+            </a:xfrm>
+            <a:prstGeom prst="rect">
+              <a:avLst/>
+            </a:prstGeom>
+            <a:grpFill/>
+            <a:ln w="28575">
+              <a:solidFill>
+                <a:srgbClr val="00B050"/>
+              </a:solidFill>
+            </a:ln>
+          </p:spPr>
+          <p:style>
+            <a:lnRef idx="2">
+              <a:schemeClr val="accent1">
+                <a:shade val="50000"/>
+              </a:schemeClr>
+            </a:lnRef>
+            <a:fillRef idx="1">
+              <a:schemeClr val="accent1"/>
+            </a:fillRef>
+            <a:effectRef idx="0">
+              <a:schemeClr val="accent1"/>
+            </a:effectRef>
+            <a:fontRef idx="minor">
+              <a:schemeClr val="lt1"/>
+            </a:fontRef>
+          </p:style>
+          <p:txBody>
+            <a:bodyPr rtlCol="0" anchor="ctr"/>
+            <a:lstStyle/>
+            <a:p>
+              <a:pPr algn="ctr">
+                <a:defRPr/>
+              </a:pPr>
+              <a:endParaRPr lang="en-US"/>
+            </a:p>
+          </p:txBody>
+        </p:sp>
+        <p:sp>
+          <p:nvSpPr>
+            <p:cNvPr id="42443977" name="TextBox 72"/>
+            <p:cNvSpPr txBox="1"/>
+            <p:nvPr/>
+          </p:nvSpPr>
+          <p:spPr bwMode="auto">
+            <a:xfrm>
+              <a:off x="2718486" y="4979772"/>
+              <a:ext cx="998991" cy="738663"/>
+            </a:xfrm>
+            <a:prstGeom prst="rect">
+              <a:avLst/>
+            </a:prstGeom>
+            <a:grpFill/>
+            <a:ln w="28575">
+              <a:solidFill>
+                <a:srgbClr val="00B050"/>
+              </a:solidFill>
+            </a:ln>
+          </p:spPr>
+          <p:txBody>
+            <a:bodyPr wrap="none" rtlCol="0">
+              <a:spAutoFit/>
+            </a:bodyPr>
+            <a:lstStyle/>
+            <a:p>
+              <a:pPr algn="ctr">
+                <a:defRPr/>
+              </a:pPr>
+              <a:r>
+                <a:rPr lang="en-US" sz="1400"/>
+                <a:t>Per-flow</a:t>
+              </a:r>
+              <a:endParaRPr/>
+            </a:p>
+            <a:p>
+              <a:pPr algn="ctr">
+                <a:defRPr/>
+              </a:pPr>
+              <a:r>
+                <a:rPr lang="en-US" sz="1400"/>
+                <a:t>stateless</a:t>
+              </a:r>
+              <a:endParaRPr/>
+            </a:p>
+            <a:p>
+              <a:pPr algn="ctr">
+                <a:defRPr/>
+              </a:pPr>
+              <a:r>
+                <a:rPr lang="en-US" sz="1400"/>
+                <a:t>Forwarder</a:t>
+              </a:r>
+              <a:endParaRPr lang="en-US" sz="1200"/>
+            </a:p>
+          </p:txBody>
+        </p:sp>
+      </p:grpSp>
+      <p:grpSp>
+        <p:nvGrpSpPr>
+          <p:cNvPr id="1662451056" name="Group 73"/>
+          <p:cNvGrpSpPr/>
+          <p:nvPr/>
+        </p:nvGrpSpPr>
+        <p:grpSpPr bwMode="auto">
+          <a:xfrm>
+            <a:off x="6090602" y="5105557"/>
+            <a:ext cx="998991" cy="741405"/>
+            <a:chOff x="2718484" y="4979772"/>
+            <a:chExt cx="998991" cy="741405"/>
+          </a:xfrm>
+          <a:solidFill>
+            <a:srgbClr val="E1FFD4"/>
+          </a:solidFill>
+        </p:grpSpPr>
+        <p:sp>
+          <p:nvSpPr>
+            <p:cNvPr id="2056100442" name="Rectangle 74"/>
+            <p:cNvSpPr/>
+            <p:nvPr/>
+          </p:nvSpPr>
+          <p:spPr bwMode="auto">
+            <a:xfrm>
+              <a:off x="2767914" y="4983759"/>
+              <a:ext cx="914400" cy="737418"/>
+            </a:xfrm>
+            <a:prstGeom prst="rect">
+              <a:avLst/>
+            </a:prstGeom>
+            <a:grpFill/>
+            <a:ln w="28575">
+              <a:solidFill>
+                <a:srgbClr val="00B050"/>
+              </a:solidFill>
+            </a:ln>
+          </p:spPr>
+          <p:style>
+            <a:lnRef idx="2">
+              <a:schemeClr val="accent1">
+                <a:shade val="50000"/>
+              </a:schemeClr>
+            </a:lnRef>
+            <a:fillRef idx="1">
+              <a:schemeClr val="accent1"/>
+            </a:fillRef>
+            <a:effectRef idx="0">
+              <a:schemeClr val="accent1"/>
+            </a:effectRef>
+            <a:fontRef idx="minor">
+              <a:schemeClr val="lt1"/>
+            </a:fontRef>
+          </p:style>
+          <p:txBody>
+            <a:bodyPr rtlCol="0" anchor="ctr"/>
+            <a:lstStyle/>
+            <a:p>
+              <a:pPr algn="ctr">
+                <a:defRPr/>
+              </a:pPr>
+              <a:endParaRPr lang="en-US"/>
+            </a:p>
+          </p:txBody>
+        </p:sp>
+        <p:sp>
+          <p:nvSpPr>
+            <p:cNvPr id="1248745690" name="TextBox 75"/>
+            <p:cNvSpPr txBox="1"/>
+            <p:nvPr/>
+          </p:nvSpPr>
+          <p:spPr bwMode="auto">
+            <a:xfrm>
+              <a:off x="2718484" y="4979772"/>
+              <a:ext cx="998991" cy="738663"/>
+            </a:xfrm>
+            <a:prstGeom prst="rect">
+              <a:avLst/>
+            </a:prstGeom>
+            <a:grpFill/>
+            <a:ln w="28575">
+              <a:solidFill>
+                <a:srgbClr val="00B050"/>
+              </a:solidFill>
+            </a:ln>
+          </p:spPr>
+          <p:txBody>
+            <a:bodyPr wrap="none" rtlCol="0">
+              <a:spAutoFit/>
+            </a:bodyPr>
+            <a:lstStyle/>
+            <a:p>
+              <a:pPr algn="ctr">
+                <a:defRPr/>
+              </a:pPr>
+              <a:r>
+                <a:rPr lang="en-US" sz="1400"/>
+                <a:t>Per-flow</a:t>
+              </a:r>
+              <a:endParaRPr/>
+            </a:p>
+            <a:p>
+              <a:pPr algn="ctr">
+                <a:defRPr/>
+              </a:pPr>
+              <a:r>
+                <a:rPr lang="en-US" sz="1400"/>
+                <a:t>stateless</a:t>
+              </a:r>
+              <a:endParaRPr/>
+            </a:p>
+            <a:p>
+              <a:pPr algn="ctr">
+                <a:defRPr/>
+              </a:pPr>
+              <a:r>
+                <a:rPr lang="en-US" sz="1400"/>
+                <a:t>Forwarder</a:t>
+              </a:r>
+              <a:endParaRPr lang="en-US" sz="1200"/>
+            </a:p>
+          </p:txBody>
+        </p:sp>
+      </p:grpSp>
+      <p:grpSp>
+        <p:nvGrpSpPr>
+          <p:cNvPr id="1575209871" name="Group 76"/>
+          <p:cNvGrpSpPr/>
+          <p:nvPr/>
+        </p:nvGrpSpPr>
+        <p:grpSpPr bwMode="auto">
+          <a:xfrm>
+            <a:off x="7573095" y="5105557"/>
+            <a:ext cx="998991" cy="741405"/>
+            <a:chOff x="2718484" y="4979772"/>
+            <a:chExt cx="998991" cy="741405"/>
+          </a:xfrm>
+          <a:solidFill>
+            <a:srgbClr val="E1FFD4"/>
+          </a:solidFill>
+        </p:grpSpPr>
+        <p:sp>
+          <p:nvSpPr>
+            <p:cNvPr id="1403435014" name="Rectangle 77"/>
+            <p:cNvSpPr/>
+            <p:nvPr/>
+          </p:nvSpPr>
+          <p:spPr bwMode="auto">
+            <a:xfrm>
+              <a:off x="2767914" y="4983759"/>
+              <a:ext cx="914400" cy="737418"/>
+            </a:xfrm>
+            <a:prstGeom prst="rect">
+              <a:avLst/>
+            </a:prstGeom>
+            <a:grpFill/>
+            <a:ln w="28575">
+              <a:solidFill>
+                <a:srgbClr val="00B050"/>
+              </a:solidFill>
+            </a:ln>
+          </p:spPr>
+          <p:style>
+            <a:lnRef idx="2">
+              <a:schemeClr val="accent1">
+                <a:shade val="50000"/>
+              </a:schemeClr>
+            </a:lnRef>
+            <a:fillRef idx="1">
+              <a:schemeClr val="accent1"/>
+            </a:fillRef>
+            <a:effectRef idx="0">
+              <a:schemeClr val="accent1"/>
+            </a:effectRef>
+            <a:fontRef idx="minor">
+              <a:schemeClr val="lt1"/>
+            </a:fontRef>
+          </p:style>
+          <p:txBody>
+            <a:bodyPr rtlCol="0" anchor="ctr"/>
+            <a:lstStyle/>
+            <a:p>
+              <a:pPr algn="ctr">
+                <a:defRPr/>
+              </a:pPr>
+              <a:endParaRPr lang="en-US"/>
+            </a:p>
+          </p:txBody>
+        </p:sp>
+        <p:sp>
+          <p:nvSpPr>
+            <p:cNvPr id="124744077" name="TextBox 78"/>
+            <p:cNvSpPr txBox="1"/>
+            <p:nvPr/>
+          </p:nvSpPr>
+          <p:spPr bwMode="auto">
+            <a:xfrm>
+              <a:off x="2718484" y="4979772"/>
+              <a:ext cx="998991" cy="738663"/>
+            </a:xfrm>
+            <a:prstGeom prst="rect">
+              <a:avLst/>
+            </a:prstGeom>
+            <a:grpFill/>
+            <a:ln w="28575">
+              <a:solidFill>
+                <a:srgbClr val="00B050"/>
+              </a:solidFill>
+            </a:ln>
+          </p:spPr>
+          <p:txBody>
+            <a:bodyPr wrap="none" rtlCol="0">
+              <a:spAutoFit/>
+            </a:bodyPr>
+            <a:lstStyle/>
+            <a:p>
+              <a:pPr algn="ctr">
+                <a:defRPr/>
+              </a:pPr>
+              <a:r>
+                <a:rPr lang="en-US" sz="1400"/>
+                <a:t>Per-flow</a:t>
+              </a:r>
+              <a:endParaRPr/>
+            </a:p>
+            <a:p>
+              <a:pPr algn="ctr">
+                <a:defRPr/>
+              </a:pPr>
+              <a:r>
+                <a:rPr lang="en-US" sz="1400"/>
+                <a:t>stateless</a:t>
+              </a:r>
+              <a:endParaRPr/>
+            </a:p>
+            <a:p>
+              <a:pPr algn="ctr">
+                <a:defRPr/>
+              </a:pPr>
+              <a:r>
+                <a:rPr lang="en-US" sz="1400"/>
+                <a:t>Forwarder</a:t>
+              </a:r>
+              <a:endParaRPr lang="en-US" sz="1200"/>
+            </a:p>
+          </p:txBody>
+        </p:sp>
+      </p:grpSp>
+      <p:grpSp>
+        <p:nvGrpSpPr>
+          <p:cNvPr id="678437778" name="Group 85"/>
+          <p:cNvGrpSpPr/>
+          <p:nvPr/>
+        </p:nvGrpSpPr>
+        <p:grpSpPr bwMode="auto">
+          <a:xfrm>
+            <a:off x="10538084" y="5107551"/>
+            <a:ext cx="941017" cy="737418"/>
+            <a:chOff x="9873051" y="4975586"/>
+            <a:chExt cx="941017" cy="737418"/>
+          </a:xfrm>
+          <a:solidFill>
+            <a:srgbClr val="C4FEF7"/>
+          </a:solidFill>
+        </p:grpSpPr>
+        <p:sp>
+          <p:nvSpPr>
+            <p:cNvPr id="229124549" name="Rectangle 79"/>
+            <p:cNvSpPr/>
+            <p:nvPr/>
+          </p:nvSpPr>
+          <p:spPr bwMode="auto">
+            <a:xfrm>
+              <a:off x="9873051" y="4975586"/>
+              <a:ext cx="864973" cy="737418"/>
+            </a:xfrm>
+            <a:prstGeom prst="rect">
+              <a:avLst/>
+            </a:prstGeom>
+            <a:grpFill/>
+            <a:ln w="28575">
+              <a:solidFill>
+                <a:srgbClr val="00B050"/>
+              </a:solidFill>
+            </a:ln>
+          </p:spPr>
+          <p:style>
+            <a:lnRef idx="2">
+              <a:schemeClr val="accent1">
+                <a:shade val="50000"/>
+              </a:schemeClr>
+            </a:lnRef>
+            <a:fillRef idx="1">
+              <a:schemeClr val="accent1"/>
+            </a:fillRef>
+            <a:effectRef idx="0">
+              <a:schemeClr val="accent1"/>
+            </a:effectRef>
+            <a:fontRef idx="minor">
+              <a:schemeClr val="lt1"/>
+            </a:fontRef>
+          </p:style>
+          <p:txBody>
+            <a:bodyPr rtlCol="0" anchor="ctr"/>
+            <a:lstStyle/>
+            <a:p>
+              <a:pPr algn="ctr">
+                <a:defRPr/>
+              </a:pPr>
+              <a:endParaRPr lang="en-US"/>
+            </a:p>
+          </p:txBody>
+        </p:sp>
+        <p:sp>
+          <p:nvSpPr>
+            <p:cNvPr id="338454385" name="TextBox 80"/>
+            <p:cNvSpPr txBox="1"/>
+            <p:nvPr/>
+          </p:nvSpPr>
+          <p:spPr bwMode="auto">
+            <a:xfrm>
+              <a:off x="9922478" y="5005742"/>
+              <a:ext cx="891590" cy="677107"/>
+            </a:xfrm>
+            <a:prstGeom prst="rect">
+              <a:avLst/>
+            </a:prstGeom>
+            <a:noFill/>
+          </p:spPr>
+          <p:txBody>
+            <a:bodyPr wrap="none" rtlCol="0">
+              <a:spAutoFit/>
+            </a:bodyPr>
+            <a:lstStyle/>
+            <a:p>
+              <a:pPr>
+                <a:defRPr/>
+              </a:pPr>
+              <a:r>
+                <a:rPr lang="en-US" sz="1400"/>
+                <a:t>Receiver</a:t>
+              </a:r>
+              <a:endParaRPr/>
+            </a:p>
+            <a:p>
+              <a:pPr>
+                <a:defRPr/>
+              </a:pPr>
+              <a:r>
+                <a:rPr lang="en-US" sz="1200"/>
+                <a:t>e.g.</a:t>
+              </a:r>
+              <a:endParaRPr/>
+            </a:p>
+            <a:p>
+              <a:pPr>
+                <a:defRPr/>
+              </a:pPr>
+              <a:r>
+                <a:rPr lang="en-US" sz="1200"/>
+                <a:t>Flow k</a:t>
+              </a:r>
+              <a:endParaRPr/>
+            </a:p>
+          </p:txBody>
+        </p:sp>
+      </p:grpSp>
+      <p:grpSp>
+        <p:nvGrpSpPr>
+          <p:cNvPr id="555121034" name="Group 81"/>
+          <p:cNvGrpSpPr/>
+          <p:nvPr/>
+        </p:nvGrpSpPr>
+        <p:grpSpPr bwMode="auto">
+          <a:xfrm>
+            <a:off x="9055587" y="5105557"/>
+            <a:ext cx="998991" cy="741405"/>
+            <a:chOff x="2718484" y="4979772"/>
+            <a:chExt cx="998991" cy="741405"/>
+          </a:xfrm>
+        </p:grpSpPr>
+        <p:sp>
+          <p:nvSpPr>
+            <p:cNvPr id="539367253" name="Rectangle 82"/>
+            <p:cNvSpPr/>
+            <p:nvPr/>
+          </p:nvSpPr>
+          <p:spPr bwMode="auto">
+            <a:xfrm>
+              <a:off x="2767914" y="4983759"/>
+              <a:ext cx="914400" cy="737418"/>
+            </a:xfrm>
+            <a:prstGeom prst="rect">
+              <a:avLst/>
+            </a:prstGeom>
+            <a:solidFill>
+              <a:schemeClr val="bg2"/>
+            </a:solidFill>
+            <a:ln>
+              <a:solidFill>
+                <a:schemeClr val="tx2"/>
+              </a:solidFill>
+            </a:ln>
+          </p:spPr>
+          <p:style>
+            <a:lnRef idx="2">
+              <a:schemeClr val="accent1">
+                <a:shade val="50000"/>
+              </a:schemeClr>
+            </a:lnRef>
+            <a:fillRef idx="1">
+              <a:schemeClr val="accent1"/>
+            </a:fillRef>
+            <a:effectRef idx="0">
+              <a:schemeClr val="accent1"/>
+            </a:effectRef>
+            <a:fontRef idx="minor">
+              <a:schemeClr val="lt1"/>
+            </a:fontRef>
+          </p:style>
+          <p:txBody>
+            <a:bodyPr rtlCol="0" anchor="ctr"/>
+            <a:lstStyle/>
+            <a:p>
+              <a:pPr algn="ctr">
+                <a:defRPr/>
+              </a:pPr>
+              <a:endParaRPr lang="en-US"/>
+            </a:p>
+          </p:txBody>
+        </p:sp>
+        <p:sp>
+          <p:nvSpPr>
+            <p:cNvPr id="194414761" name="TextBox 83"/>
+            <p:cNvSpPr txBox="1"/>
+            <p:nvPr/>
+          </p:nvSpPr>
+          <p:spPr bwMode="auto">
+            <a:xfrm>
+              <a:off x="2718484" y="4979772"/>
+              <a:ext cx="998991" cy="738663"/>
+            </a:xfrm>
+            <a:prstGeom prst="rect">
+              <a:avLst/>
+            </a:prstGeom>
+            <a:noFill/>
+          </p:spPr>
+          <p:txBody>
+            <a:bodyPr wrap="none" rtlCol="0">
+              <a:spAutoFit/>
+            </a:bodyPr>
+            <a:lstStyle/>
+            <a:p>
+              <a:pPr algn="ctr">
+                <a:defRPr/>
+              </a:pPr>
+              <a:r>
+                <a:rPr lang="en-US" sz="1400"/>
+                <a:t>Per-flow</a:t>
+              </a:r>
+              <a:endParaRPr/>
+            </a:p>
+            <a:p>
+              <a:pPr algn="ctr">
+                <a:defRPr/>
+              </a:pPr>
+              <a:r>
+                <a:rPr lang="en-US" sz="1400"/>
+                <a:t>stateless</a:t>
+              </a:r>
+              <a:endParaRPr/>
+            </a:p>
+            <a:p>
+              <a:pPr algn="ctr">
+                <a:defRPr/>
+              </a:pPr>
+              <a:r>
+                <a:rPr lang="en-US" sz="1400"/>
+                <a:t>Forwarder</a:t>
+              </a:r>
+              <a:endParaRPr lang="en-US" sz="1200"/>
+            </a:p>
+          </p:txBody>
+        </p:sp>
+      </p:grpSp>
+      <p:sp>
+        <p:nvSpPr>
+          <p:cNvPr id="506983475" name="TextBox 99"/>
+          <p:cNvSpPr txBox="1"/>
+          <p:nvPr/>
+        </p:nvSpPr>
+        <p:spPr bwMode="auto">
+          <a:xfrm>
+            <a:off x="2481498" y="1304772"/>
+            <a:ext cx="1380777" cy="716092"/>
+          </a:xfrm>
+          <a:prstGeom prst="rect">
+            <a:avLst/>
+          </a:prstGeom>
+          <a:solidFill>
+            <a:srgbClr val="C4FEF7"/>
+          </a:solidFill>
+          <a:ln>
+            <a:solidFill>
+              <a:schemeClr val="tx2"/>
+            </a:solidFill>
+          </a:ln>
+        </p:spPr>
+        <p:txBody>
+          <a:bodyPr wrap="square" rtlCol="0">
+            <a:spAutoFit/>
+          </a:bodyPr>
+          <a:lstStyle/>
+          <a:p>
+            <a:pPr algn="ctr">
+              <a:defRPr/>
+            </a:pPr>
+            <a:r>
+              <a:rPr lang="en-US" sz="800"/>
+              <a:t>Flow k </a:t>
+            </a:r>
+            <a:r>
+              <a:rPr lang="en-US" sz="1000"/>
+              <a:t>requirements</a:t>
+            </a:r>
+            <a:endParaRPr/>
+          </a:p>
+          <a:p>
+            <a:pPr algn="ctr">
+              <a:defRPr/>
+            </a:pPr>
+            <mc:AlternateContent xmlns:mc="http://schemas.openxmlformats.org/markup-compatibility/2006" xmlns:m="http://schemas.openxmlformats.org/officeDocument/2006/math">
+              <mc:Choice xmlns:a14="http://schemas.microsoft.com/office/drawing/2010/main" Requires="a14">
+                <a14:m>
+                  <m:oMathPara>
+                    <m:oMathParaPr/>
+                    <m:oMath>
+                      <m:acc>
+                        <m:accPr>
+                          <m:chr m:val="̂"/>
+                          <m:ctrlPr>
+                            <a:rPr lang="de-DE" sz="1000" i="1">
+                              <a:latin typeface="Cambria Math"/>
+                              <a:ea typeface="Cambria Math"/>
+                              <a:cs typeface="Cambria Math"/>
+                            </a:rPr>
+                          </m:ctrlPr>
+                        </m:accPr>
+                        <m:e>
+                          <m:r>
+                            <m:rPr/>
+                            <a:rPr lang="en-US" sz="1000" i="1">
+                              <a:latin typeface="Cambria Math"/>
+                            </a:rPr>
+                            <m:t>𝑟</m:t>
+                          </m:r>
+                        </m:e>
+                      </m:acc>
+                    </m:oMath>
+                  </m:oMathPara>
+                </a14:m>
+              </mc:Choice>
+              <mc:Fallback/>
+            </mc:AlternateContent>
+            <a:r>
+              <a:rPr lang="de-DE" sz="1000" baseline="-25000"/>
+              <a:t>k</a:t>
+            </a:r>
+            <a:r>
+              <a:rPr lang="de-DE" sz="1000"/>
+              <a:t>/ </a:t>
+            </a:r>
+            <mc:AlternateContent xmlns:mc="http://schemas.openxmlformats.org/markup-compatibility/2006" xmlns:m="http://schemas.openxmlformats.org/officeDocument/2006/math">
+              <mc:Choice xmlns:a14="http://schemas.microsoft.com/office/drawing/2010/main" Requires="a14">
+                <a14:m>
+                  <m:oMathPara>
+                    <m:oMathParaPr/>
+                    <m:oMath>
+                      <m:acc>
+                        <m:accPr>
+                          <m:chr m:val="̂"/>
+                          <m:ctrlPr>
+                            <a:rPr lang="de-DE" sz="1000" i="1">
+                              <a:latin typeface="Cambria Math"/>
+                              <a:ea typeface="Cambria Math"/>
+                              <a:cs typeface="Cambria Math"/>
+                            </a:rPr>
+                          </m:ctrlPr>
+                        </m:accPr>
+                        <m:e>
+                          <m:r>
+                            <m:rPr/>
+                            <a:rPr lang="en-US" sz="1000" i="1">
+                              <a:latin typeface="Cambria Math"/>
+                            </a:rPr>
+                            <m:t>𝑏</m:t>
+                          </m:r>
+                        </m:e>
+                      </m:acc>
+                    </m:oMath>
+                  </m:oMathPara>
+                </a14:m>
+              </mc:Choice>
+              <mc:Fallback/>
+            </mc:AlternateContent>
+            <a:r>
+              <a:rPr lang="de-DE" sz="1000" baseline="-25000"/>
+              <a:t>k</a:t>
+            </a:r>
+            <a:r>
+              <a:rPr lang="de-DE" sz="1000"/>
+              <a:t> </a:t>
+            </a:r>
+            <a:endParaRPr/>
+          </a:p>
+          <a:p>
+            <a:pPr algn="ctr">
+              <a:defRPr/>
+            </a:pPr>
+            <a:r>
+              <a:rPr lang="de-DE" sz="1000"/>
+              <a:t>End-</a:t>
+            </a:r>
+            <a:r>
+              <a:rPr lang="de-DE" sz="1000"/>
+              <a:t>to</a:t>
+            </a:r>
+            <a:r>
+              <a:rPr lang="de-DE" sz="1000"/>
+              <a:t>-end</a:t>
+            </a:r>
+            <a:endParaRPr/>
+          </a:p>
+          <a:p>
+            <a:pPr algn="ctr">
+              <a:defRPr/>
+            </a:pPr>
+            <a:r>
+              <a:rPr lang="de-DE" sz="1000"/>
+              <a:t>Min..</a:t>
+            </a:r>
+            <a:r>
+              <a:rPr lang="de-DE" sz="1000"/>
+              <a:t>max</a:t>
+            </a:r>
+            <a:r>
+              <a:rPr lang="de-DE" sz="1000"/>
+              <a:t> </a:t>
+            </a:r>
+            <a:r>
+              <a:rPr lang="de-DE" sz="1000"/>
+              <a:t>latency</a:t>
+            </a:r>
+            <a:endParaRPr lang="en-US" sz="1000"/>
+          </a:p>
+        </p:txBody>
+      </p:sp>
+      <p:sp>
+        <p:nvSpPr>
+          <p:cNvPr id="1796811670" name="TextBox 100"/>
+          <p:cNvSpPr txBox="1"/>
+          <p:nvPr/>
+        </p:nvSpPr>
+        <p:spPr bwMode="auto">
+          <a:xfrm>
+            <a:off x="4517186" y="1329984"/>
+            <a:ext cx="1588851" cy="461664"/>
+          </a:xfrm>
+          <a:prstGeom prst="rect">
+            <a:avLst/>
+          </a:prstGeom>
+          <a:solidFill>
+            <a:srgbClr val="F6EDFF"/>
+          </a:solidFill>
+          <a:ln>
+            <a:solidFill>
+              <a:schemeClr val="tx2"/>
+            </a:solidFill>
+          </a:ln>
+        </p:spPr>
+        <p:txBody>
+          <a:bodyPr wrap="square" rtlCol="0">
+            <a:spAutoFit/>
+          </a:bodyPr>
+          <a:lstStyle/>
+          <a:p>
+            <a:pPr algn="ctr">
+              <a:defRPr/>
+            </a:pPr>
+            <a:r>
+              <a:rPr lang="en-US" sz="800"/>
+              <a:t>(Calculate path</a:t>
+            </a:r>
+            <a:endParaRPr/>
+          </a:p>
+          <a:p>
+            <a:pPr algn="ctr">
+              <a:defRPr/>
+            </a:pPr>
+            <a:r>
+              <a:rPr lang="en-US" sz="800"/>
+              <a:t>or use shortest path</a:t>
+            </a:r>
+            <a:endParaRPr/>
+          </a:p>
+          <a:p>
+            <a:pPr algn="ctr">
+              <a:defRPr/>
+            </a:pPr>
+            <a:r>
+              <a:rPr lang="en-US" sz="800"/>
+              <a:t>(</a:t>
+            </a:r>
+            <a:r>
+              <a:rPr lang="en-US" sz="700" i="1"/>
+              <a:t>slide does not show path steering</a:t>
+            </a:r>
+            <a:r>
+              <a:rPr lang="en-US" sz="800"/>
+              <a:t>)</a:t>
+            </a:r>
+            <a:endParaRPr/>
+          </a:p>
+        </p:txBody>
+      </p:sp>
+      <p:sp>
+        <p:nvSpPr>
+          <p:cNvPr id="1318015168" name="TextBox 102"/>
+          <p:cNvSpPr txBox="1"/>
+          <p:nvPr/>
+        </p:nvSpPr>
+        <p:spPr bwMode="auto">
+          <a:xfrm>
+            <a:off x="6397863" y="1336469"/>
+            <a:ext cx="1588851" cy="461664"/>
+          </a:xfrm>
+          <a:prstGeom prst="rect">
+            <a:avLst/>
+          </a:prstGeom>
+          <a:solidFill>
+            <a:srgbClr val="F6EDFF"/>
+          </a:solidFill>
+          <a:ln>
+            <a:solidFill>
+              <a:schemeClr val="tx2"/>
+            </a:solidFill>
+          </a:ln>
+        </p:spPr>
+        <p:txBody>
+          <a:bodyPr wrap="square" rtlCol="0">
+            <a:spAutoFit/>
+          </a:bodyPr>
+          <a:lstStyle/>
+          <a:p>
+            <a:pPr algn="ctr">
+              <a:defRPr/>
+            </a:pPr>
+            <a:r>
+              <a:rPr lang="en-US" sz="800"/>
+              <a:t>Calculate best queue for each hop to meet </a:t>
+            </a:r>
+            <a:r>
+              <a:rPr lang="en-US" sz="800"/>
+              <a:t>min..max</a:t>
+            </a:r>
+            <a:r>
+              <a:rPr lang="en-US" sz="800"/>
+              <a:t> latency</a:t>
+            </a:r>
+            <a:endParaRPr/>
+          </a:p>
+          <a:p>
+            <a:pPr algn="ctr">
+              <a:defRPr/>
+            </a:pPr>
+            <a:endParaRPr lang="en-US" sz="800"/>
+          </a:p>
+        </p:txBody>
+      </p:sp>
+      <p:sp>
+        <p:nvSpPr>
+          <p:cNvPr id="1087334765" name="TextBox 103"/>
+          <p:cNvSpPr txBox="1"/>
+          <p:nvPr/>
+        </p:nvSpPr>
+        <p:spPr bwMode="auto">
+          <a:xfrm>
+            <a:off x="6034700" y="1415134"/>
+            <a:ext cx="429925" cy="261609"/>
+          </a:xfrm>
+          <a:prstGeom prst="rect">
+            <a:avLst/>
+          </a:prstGeom>
+          <a:noFill/>
+        </p:spPr>
+        <p:txBody>
+          <a:bodyPr wrap="none" rtlCol="0">
+            <a:spAutoFit/>
+          </a:bodyPr>
+          <a:lstStyle/>
+          <a:p>
+            <a:pPr>
+              <a:defRPr/>
+            </a:pPr>
+            <a:r>
+              <a:rPr lang="en-US" sz="1100"/>
+              <a:t>&lt;=&gt;</a:t>
+            </a:r>
+            <a:endParaRPr/>
+          </a:p>
+        </p:txBody>
+      </p:sp>
+      <p:sp>
+        <p:nvSpPr>
+          <p:cNvPr id="1702084935" name="TextBox 104"/>
+          <p:cNvSpPr txBox="1"/>
+          <p:nvPr/>
+        </p:nvSpPr>
+        <p:spPr bwMode="auto">
+          <a:xfrm>
+            <a:off x="8083990" y="1336469"/>
+            <a:ext cx="706879" cy="461664"/>
+          </a:xfrm>
+          <a:prstGeom prst="rect">
+            <a:avLst/>
+          </a:prstGeom>
+          <a:solidFill>
+            <a:srgbClr val="F6EDFF"/>
+          </a:solidFill>
+          <a:ln>
+            <a:solidFill>
+              <a:schemeClr val="tx2"/>
+            </a:solidFill>
+          </a:ln>
+        </p:spPr>
+        <p:txBody>
+          <a:bodyPr wrap="square" rtlCol="0">
+            <a:spAutoFit/>
+          </a:bodyPr>
+          <a:lstStyle/>
+          <a:p>
+            <a:pPr algn="ctr">
+              <a:defRPr/>
+            </a:pPr>
+            <a:r>
+              <a:rPr lang="en-US" sz="800"/>
+              <a:t>Flow fits ?</a:t>
+            </a:r>
+            <a:endParaRPr/>
+          </a:p>
+          <a:p>
+            <a:pPr algn="ctr">
+              <a:defRPr/>
+            </a:pPr>
+            <a:r>
+              <a:rPr lang="en-US" sz="800"/>
+              <a:t>Admit</a:t>
+            </a:r>
+            <a:endParaRPr/>
+          </a:p>
+          <a:p>
+            <a:pPr algn="ctr">
+              <a:defRPr/>
+            </a:pPr>
+            <a:r>
+              <a:rPr lang="en-US" sz="800"/>
+              <a:t>else reject</a:t>
+            </a:r>
+            <a:endParaRPr/>
+          </a:p>
+        </p:txBody>
+      </p:sp>
+      <p:sp>
+        <p:nvSpPr>
+          <p:cNvPr id="1555899362" name="TextBox 105"/>
+          <p:cNvSpPr txBox="1"/>
+          <p:nvPr/>
+        </p:nvSpPr>
+        <p:spPr bwMode="auto">
+          <a:xfrm>
+            <a:off x="4432852" y="841871"/>
+            <a:ext cx="1779104" cy="461664"/>
+          </a:xfrm>
+          <a:prstGeom prst="rect">
+            <a:avLst/>
+          </a:prstGeom>
+          <a:solidFill>
+            <a:srgbClr val="F6EDFF"/>
+          </a:solidFill>
+          <a:ln>
+            <a:solidFill>
+              <a:schemeClr val="tx2"/>
+            </a:solidFill>
+          </a:ln>
+        </p:spPr>
+        <p:txBody>
+          <a:bodyPr wrap="square" rtlCol="0">
+            <a:spAutoFit/>
+          </a:bodyPr>
+          <a:lstStyle/>
+          <a:p>
+            <a:pPr algn="ctr">
+              <a:defRPr/>
+            </a:pPr>
+            <a:r>
+              <a:rPr lang="en-US" sz="800"/>
+              <a:t>Network resource Database</a:t>
+            </a:r>
+            <a:endParaRPr/>
+          </a:p>
+          <a:p>
+            <a:pPr algn="ctr">
+              <a:defRPr/>
+            </a:pPr>
+            <a:r>
+              <a:rPr lang="en-US" sz="800"/>
+              <a:t>Per-link/hop, per-queue free space</a:t>
+            </a:r>
+            <a:endParaRPr/>
+          </a:p>
+          <a:p>
+            <a:pPr algn="ctr">
+              <a:defRPr/>
+            </a:pPr>
+            <a:r>
+              <a:rPr lang="en-US" sz="800"/>
+              <a:t>                   link free bandwidth </a:t>
+            </a:r>
+            <a:endParaRPr/>
+          </a:p>
+        </p:txBody>
+      </p:sp>
+      <p:sp>
+        <p:nvSpPr>
+          <p:cNvPr id="1349347983" name="TextBox 106"/>
+          <p:cNvSpPr txBox="1"/>
+          <p:nvPr/>
+        </p:nvSpPr>
+        <p:spPr bwMode="auto">
+          <a:xfrm>
+            <a:off x="6241775" y="924836"/>
+            <a:ext cx="1547429" cy="345030"/>
+          </a:xfrm>
+          <a:prstGeom prst="rect">
+            <a:avLst/>
+          </a:prstGeom>
+          <a:solidFill>
+            <a:srgbClr val="F6EDFF"/>
+          </a:solidFill>
+          <a:ln>
+            <a:solidFill>
+              <a:schemeClr val="tx2"/>
+            </a:solidFill>
+          </a:ln>
+        </p:spPr>
+        <p:txBody>
+          <a:bodyPr wrap="square" rtlCol="0">
+            <a:spAutoFit/>
+          </a:bodyPr>
+          <a:lstStyle/>
+          <a:p>
+            <a:pPr algn="ctr">
+              <a:defRPr/>
+            </a:pPr>
+            <a:r>
+              <a:rPr lang="en-US" sz="800"/>
+              <a:t>Per-flow, per-hop Database</a:t>
+            </a:r>
+            <a:endParaRPr/>
+          </a:p>
+          <a:p>
+            <a:pPr algn="ctr">
+              <a:defRPr/>
+            </a:pPr>
+            <a:r>
+              <a:rPr lang="en-US" sz="800"/>
+              <a:t>Flow </a:t>
+            </a:r>
+            <a:r>
+              <a:rPr lang="en-US" sz="800" i="1"/>
+              <a:t>k</a:t>
+            </a:r>
+            <a:r>
+              <a:rPr lang="en-US" sz="800"/>
+              <a:t>: </a:t>
+            </a:r>
+            <mc:AlternateContent xmlns:mc="http://schemas.openxmlformats.org/markup-compatibility/2006" xmlns:m="http://schemas.openxmlformats.org/officeDocument/2006/math">
+              <mc:Choice xmlns:a14="http://schemas.microsoft.com/office/drawing/2010/main" Requires="a14">
+                <a14:m>
+                  <m:oMathPara>
+                    <m:oMathParaPr/>
+                    <m:oMath>
+                      <m:acc>
+                        <m:accPr>
+                          <m:chr m:val="̂"/>
+                          <m:ctrlPr>
+                            <a:rPr lang="de-DE" sz="800" i="1">
+                              <a:latin typeface="Cambria Math"/>
+                              <a:ea typeface="Cambria Math"/>
+                              <a:cs typeface="Cambria Math"/>
+                            </a:rPr>
+                          </m:ctrlPr>
+                        </m:accPr>
+                        <m:e>
+                          <m:r>
+                            <m:rPr/>
+                            <a:rPr lang="en-US" sz="800" i="1">
+                              <a:latin typeface="Cambria Math"/>
+                            </a:rPr>
+                            <m:t>𝑟</m:t>
+                          </m:r>
+                        </m:e>
+                      </m:acc>
+                    </m:oMath>
+                  </m:oMathPara>
+                </a14:m>
+              </mc:Choice>
+              <mc:Fallback/>
+            </mc:AlternateContent>
+            <a:r>
+              <a:rPr lang="de-DE" sz="800" baseline="-25000"/>
+              <a:t>k</a:t>
+            </a:r>
+            <a:r>
+              <a:rPr lang="de-DE" sz="800"/>
+              <a:t>/ </a:t>
+            </a:r>
+            <mc:AlternateContent xmlns:mc="http://schemas.openxmlformats.org/markup-compatibility/2006" xmlns:m="http://schemas.openxmlformats.org/officeDocument/2006/math">
+              <mc:Choice xmlns:a14="http://schemas.microsoft.com/office/drawing/2010/main" Requires="a14">
+                <a14:m>
+                  <m:oMathPara>
+                    <m:oMathParaPr/>
+                    <m:oMath>
+                      <m:acc>
+                        <m:accPr>
+                          <m:chr m:val="̂"/>
+                          <m:ctrlPr>
+                            <a:rPr lang="de-DE" sz="800" i="1">
+                              <a:latin typeface="Cambria Math"/>
+                              <a:ea typeface="Cambria Math"/>
+                              <a:cs typeface="Cambria Math"/>
+                            </a:rPr>
+                          </m:ctrlPr>
+                        </m:accPr>
+                        <m:e>
+                          <m:r>
+                            <m:rPr/>
+                            <a:rPr lang="en-US" sz="800" i="1">
+                              <a:latin typeface="Cambria Math"/>
+                            </a:rPr>
+                            <m:t>𝑏</m:t>
+                          </m:r>
+                        </m:e>
+                      </m:acc>
+                    </m:oMath>
+                  </m:oMathPara>
+                </a14:m>
+              </mc:Choice>
+              <mc:Fallback/>
+            </mc:AlternateContent>
+            <a:r>
+              <a:rPr lang="de-DE" sz="800" baseline="-25000"/>
+              <a:t>k</a:t>
+            </a:r>
+            <a:r>
+              <a:rPr lang="de-DE" sz="800"/>
+              <a:t> </a:t>
+            </a:r>
+            <a:r>
+              <a:rPr lang="en-US" sz="800"/>
+              <a:t>, {Q</a:t>
+            </a:r>
+            <a:r>
+              <a:rPr lang="en-US" sz="800" i="1" baseline="-25000"/>
+              <a:t>i</a:t>
+            </a:r>
+            <a:r>
+              <a:rPr lang="en-US" sz="800" i="1"/>
+              <a:t> }</a:t>
+            </a:r>
+            <a:endParaRPr/>
+          </a:p>
+        </p:txBody>
+      </p:sp>
+      <p:sp>
+        <p:nvSpPr>
+          <p:cNvPr id="328391817" name="TextBox 107"/>
+          <p:cNvSpPr txBox="1"/>
+          <p:nvPr/>
+        </p:nvSpPr>
+        <p:spPr bwMode="auto">
+          <a:xfrm>
+            <a:off x="4527460" y="1836844"/>
+            <a:ext cx="3728934" cy="415497"/>
+          </a:xfrm>
+          <a:prstGeom prst="rect">
+            <a:avLst/>
+          </a:prstGeom>
+          <a:solidFill>
+            <a:srgbClr val="FED9C5"/>
+          </a:solidFill>
+          <a:ln>
+            <a:solidFill>
+              <a:schemeClr val="tx2"/>
+            </a:solidFill>
+          </a:ln>
+        </p:spPr>
+        <p:txBody>
+          <a:bodyPr wrap="square" rtlCol="0">
+            <a:spAutoFit/>
+          </a:bodyPr>
+          <a:lstStyle/>
+          <a:p>
+            <a:pPr algn="ctr">
+              <a:defRPr/>
+            </a:pPr>
+            <a:r>
+              <a:rPr lang="en-US" sz="1050">
+                <a:solidFill>
+                  <a:srgbClr val="FF0000"/>
+                </a:solidFill>
+              </a:rPr>
+              <a:t>Install flow k </a:t>
+            </a:r>
+            <a:r>
+              <a:rPr lang="en-US" sz="1050">
+                <a:solidFill>
+                  <a:srgbClr val="FF0000"/>
+                </a:solidFill>
+              </a:rPr>
+              <a:t>params</a:t>
+            </a:r>
+            <a:r>
+              <a:rPr lang="en-US" sz="1050">
+                <a:solidFill>
+                  <a:srgbClr val="FF0000"/>
+                </a:solidFill>
+              </a:rPr>
+              <a:t> ONLY into first hop router</a:t>
+            </a:r>
+            <a:endParaRPr/>
+          </a:p>
+          <a:p>
+            <a:pPr algn="ctr">
+              <a:defRPr/>
+            </a:pPr>
+            <a:r>
+              <a:rPr lang="en-US" sz="1050">
+                <a:solidFill>
+                  <a:srgbClr val="FF0000"/>
+                </a:solidFill>
+              </a:rPr>
+              <a:t>To ensure traffic from sender complies with its parameters</a:t>
+            </a:r>
+            <a:endParaRPr/>
+          </a:p>
+        </p:txBody>
+      </p:sp>
+      <p:cxnSp>
+        <p:nvCxnSpPr>
+          <p:cNvPr id="1516347247" name="Straight Arrow Connector 110"/>
+          <p:cNvCxnSpPr>
+            <a:cxnSpLocks/>
+            <a:stCxn id="1799542293" idx="0"/>
+            <a:endCxn id="506983475" idx="2"/>
+          </p:cNvCxnSpPr>
+          <p:nvPr/>
+        </p:nvCxnSpPr>
+        <p:spPr bwMode="auto">
+          <a:xfrm flipV="1">
+            <a:off x="2256869" y="2020865"/>
+            <a:ext cx="915016" cy="3116840"/>
+          </a:xfrm>
+          <a:prstGeom prst="straightConnector1">
+            <a:avLst/>
+          </a:prstGeom>
+          <a:ln w="19050">
+            <a:tailEnd type="triangle"/>
+          </a:ln>
+        </p:spPr>
+        <p:style>
+          <a:lnRef idx="1">
+            <a:schemeClr val="accent1"/>
+          </a:lnRef>
+          <a:fillRef idx="0">
+            <a:schemeClr val="accent1"/>
+          </a:fillRef>
+          <a:effectRef idx="0">
+            <a:schemeClr val="accent1"/>
+          </a:effectRef>
+          <a:fontRef idx="minor">
+            <a:schemeClr val="tx1"/>
+          </a:fontRef>
+        </p:style>
+      </p:cxnSp>
+      <p:cxnSp>
+        <p:nvCxnSpPr>
+          <p:cNvPr id="2082432237" name="Straight Arrow Connector 114"/>
+          <p:cNvCxnSpPr>
+            <a:cxnSpLocks/>
+            <a:stCxn id="506983475" idx="3"/>
+          </p:cNvCxnSpPr>
+          <p:nvPr/>
+        </p:nvCxnSpPr>
+        <p:spPr bwMode="auto">
+          <a:xfrm flipV="1">
+            <a:off x="3862275" y="1540647"/>
+            <a:ext cx="285977" cy="122172"/>
+          </a:xfrm>
+          <a:prstGeom prst="straightConnector1">
+            <a:avLst/>
+          </a:prstGeom>
+          <a:ln w="19050">
+            <a:tailEnd type="triangle"/>
+          </a:ln>
+        </p:spPr>
+        <p:style>
+          <a:lnRef idx="1">
+            <a:schemeClr val="accent1"/>
+          </a:lnRef>
+          <a:fillRef idx="0">
+            <a:schemeClr val="accent1"/>
+          </a:fillRef>
+          <a:effectRef idx="0">
+            <a:schemeClr val="accent1"/>
+          </a:effectRef>
+          <a:fontRef idx="minor">
+            <a:schemeClr val="tx1"/>
+          </a:fontRef>
+        </p:style>
+      </p:cxnSp>
+      <p:sp>
+        <p:nvSpPr>
+          <p:cNvPr id="669702088" name="Freeform 118"/>
+          <p:cNvSpPr/>
+          <p:nvPr/>
+        </p:nvSpPr>
+        <p:spPr bwMode="auto">
+          <a:xfrm>
+            <a:off x="2374629" y="1819425"/>
+            <a:ext cx="6122597" cy="3299133"/>
+          </a:xfrm>
+          <a:custGeom>
+            <a:avLst/>
+            <a:gdLst>
+              <a:gd name="connsiteX0" fmla="*/ 6144322 w 6144322"/>
+              <a:gd name="connsiteY0" fmla="*/ 0 h 3612995"/>
+              <a:gd name="connsiteX1" fmla="*/ 6021659 w 6144322"/>
+              <a:gd name="connsiteY1" fmla="*/ 568713 h 3612995"/>
+              <a:gd name="connsiteX2" fmla="*/ 847493 w 6144322"/>
+              <a:gd name="connsiteY2" fmla="*/ 557561 h 3612995"/>
+              <a:gd name="connsiteX3" fmla="*/ 0 w 6144322"/>
+              <a:gd name="connsiteY3" fmla="*/ 3612995 h 3612995"/>
+            </a:gdLst>
+            <a:ahLst/>
+            <a:cxnLst>
+              <a:cxn ang="0">
+                <a:pos x="connsiteX0" y="connsiteY0"/>
+              </a:cxn>
+              <a:cxn ang="0">
+                <a:pos x="connsiteX1" y="connsiteY1"/>
+              </a:cxn>
+              <a:cxn ang="0">
+                <a:pos x="connsiteX2" y="connsiteY2"/>
+              </a:cxn>
+              <a:cxn ang="0">
+                <a:pos x="connsiteX3" y="connsiteY3"/>
+              </a:cxn>
+            </a:cxnLst>
+            <a:rect l="l" t="t" r="r" b="b"/>
+            <a:pathLst>
+              <a:path w="6144322" h="3612995" fill="norm" stroke="1" extrusionOk="0">
+                <a:moveTo>
+                  <a:pt x="6144322" y="0"/>
+                </a:moveTo>
+                <a:lnTo>
+                  <a:pt x="6021659" y="568713"/>
+                </a:lnTo>
+                <a:lnTo>
+                  <a:pt x="847493" y="557561"/>
+                </a:lnTo>
+                <a:lnTo>
+                  <a:pt x="0" y="3612995"/>
+                </a:lnTo>
+              </a:path>
+            </a:pathLst>
+          </a:custGeom>
+          <a:noFill/>
+          <a:ln w="19050">
+            <a:solidFill>
+              <a:srgbClr val="C00000"/>
+            </a:solidFill>
+            <a:headEnd type="none" w="med" len="med"/>
+            <a:tailEnd type="arrow" w="med" len="med"/>
+          </a:ln>
+        </p:spPr>
+        <p:style>
+          <a:lnRef idx="2">
+            <a:schemeClr val="accent1">
+              <a:shade val="50000"/>
+            </a:schemeClr>
+          </a:lnRef>
+          <a:fillRef idx="1">
+            <a:schemeClr val="accent1"/>
+          </a:fillRef>
+          <a:effectRef idx="0">
+            <a:schemeClr val="accent1"/>
+          </a:effectRef>
+          <a:fontRef idx="minor">
+            <a:schemeClr val="lt1"/>
+          </a:fontRef>
+        </p:style>
+        <p:txBody>
+          <a:bodyPr rtlCol="0" anchor="ctr"/>
+          <a:lstStyle/>
+          <a:p>
+            <a:pPr algn="ctr">
+              <a:defRPr/>
+            </a:pPr>
+            <a:endParaRPr lang="en-US"/>
+          </a:p>
+        </p:txBody>
+      </p:sp>
+      <p:sp>
+        <p:nvSpPr>
+          <p:cNvPr id="42831424" name="TextBox 119"/>
+          <p:cNvSpPr txBox="1"/>
+          <p:nvPr/>
+        </p:nvSpPr>
+        <p:spPr bwMode="auto">
+          <a:xfrm>
+            <a:off x="2397511" y="4703963"/>
+            <a:ext cx="514884" cy="430886"/>
+          </a:xfrm>
+          <a:prstGeom prst="rect">
+            <a:avLst/>
+          </a:prstGeom>
+          <a:noFill/>
+        </p:spPr>
+        <p:txBody>
+          <a:bodyPr wrap="none" rtlCol="0">
+            <a:spAutoFit/>
+          </a:bodyPr>
+          <a:lstStyle/>
+          <a:p>
+            <a:pPr>
+              <a:defRPr/>
+            </a:pPr>
+            <a:r>
+              <a:rPr lang="en-US" sz="1050">
+                <a:solidFill>
+                  <a:srgbClr val="C00000"/>
+                </a:solidFill>
+              </a:rPr>
+              <a:t>ACK/</a:t>
+            </a:r>
+            <a:endParaRPr/>
+          </a:p>
+          <a:p>
+            <a:pPr>
+              <a:defRPr/>
+            </a:pPr>
+            <a:r>
+              <a:rPr lang="en-US" sz="1050">
+                <a:solidFill>
+                  <a:srgbClr val="C00000"/>
+                </a:solidFill>
+              </a:rPr>
+              <a:t>NAK</a:t>
+            </a:r>
+            <a:endParaRPr/>
+          </a:p>
+        </p:txBody>
+      </p:sp>
+      <p:sp>
+        <p:nvSpPr>
+          <p:cNvPr id="1266836862" name="TextBox 120"/>
+          <p:cNvSpPr txBox="1"/>
+          <p:nvPr/>
+        </p:nvSpPr>
+        <p:spPr bwMode="auto">
+          <a:xfrm>
+            <a:off x="1471959" y="4692812"/>
+            <a:ext cx="835484" cy="415497"/>
+          </a:xfrm>
+          <a:prstGeom prst="rect">
+            <a:avLst/>
+          </a:prstGeom>
+          <a:noFill/>
+        </p:spPr>
+        <p:txBody>
+          <a:bodyPr wrap="none" rtlCol="0">
+            <a:spAutoFit/>
+          </a:bodyPr>
+          <a:lstStyle/>
+          <a:p>
+            <a:pPr>
+              <a:defRPr/>
+            </a:pPr>
+            <a:r>
+              <a:rPr lang="en-US" sz="1050">
+                <a:solidFill>
+                  <a:srgbClr val="C00000"/>
+                </a:solidFill>
+              </a:rPr>
+              <a:t>Flow</a:t>
+            </a:r>
+            <a:endParaRPr/>
+          </a:p>
+          <a:p>
+            <a:pPr>
+              <a:defRPr/>
+            </a:pPr>
+            <a:r>
+              <a:rPr lang="en-US" sz="1050">
+                <a:solidFill>
+                  <a:srgbClr val="C00000"/>
+                </a:solidFill>
+              </a:rPr>
+              <a:t>REQUEST</a:t>
+            </a:r>
+            <a:endParaRPr/>
+          </a:p>
+        </p:txBody>
+      </p:sp>
+      <p:sp>
+        <p:nvSpPr>
+          <p:cNvPr id="235237944" name="TextBox 133"/>
+          <p:cNvSpPr txBox="1"/>
+          <p:nvPr/>
+        </p:nvSpPr>
+        <p:spPr bwMode="auto">
+          <a:xfrm>
+            <a:off x="6262536" y="524726"/>
+            <a:ext cx="2795392" cy="396599"/>
+          </a:xfrm>
+          <a:prstGeom prst="rect">
+            <a:avLst/>
+          </a:prstGeom>
+          <a:noFill/>
+        </p:spPr>
+        <p:txBody>
+          <a:bodyPr wrap="none" rtlCol="0">
+            <a:spAutoFit/>
+          </a:bodyPr>
+          <a:lstStyle/>
+          <a:p>
+            <a:pPr>
+              <a:defRPr/>
+            </a:pPr>
+            <a:r>
+              <a:rPr lang="en-US" sz="2000">
+                <a:solidFill>
+                  <a:srgbClr val="960000"/>
+                </a:solidFill>
+              </a:rPr>
+              <a:t>DetNet controller-plane</a:t>
+            </a:r>
+            <a:endParaRPr lang="en-US" sz="2000">
+              <a:solidFill>
+                <a:srgbClr val="960000"/>
+              </a:solidFill>
+            </a:endParaRPr>
+          </a:p>
+        </p:txBody>
+      </p:sp>
+      <p:sp>
+        <p:nvSpPr>
+          <p:cNvPr id="573695753" name="TextBox 2"/>
+          <p:cNvSpPr txBox="1"/>
+          <p:nvPr/>
+        </p:nvSpPr>
+        <p:spPr bwMode="auto">
+          <a:xfrm>
+            <a:off x="3261198" y="5763211"/>
+            <a:ext cx="755527" cy="646330"/>
+          </a:xfrm>
+          <a:prstGeom prst="rect">
+            <a:avLst/>
+          </a:prstGeom>
+          <a:noFill/>
+        </p:spPr>
+        <p:txBody>
+          <a:bodyPr wrap="none" rtlCol="0">
+            <a:spAutoFit/>
+          </a:bodyPr>
+          <a:lstStyle/>
+          <a:p>
+            <a:pPr>
+              <a:defRPr/>
+            </a:pPr>
+            <a:r>
+              <a:rPr lang="en-US"/>
+              <a:t>Ingres</a:t>
+            </a:r>
+            <a:endParaRPr/>
+          </a:p>
+          <a:p>
+            <a:pPr>
+              <a:defRPr/>
+            </a:pPr>
+            <a:r>
+              <a:rPr lang="en-US"/>
+              <a:t>PE</a:t>
+            </a:r>
+            <a:endParaRPr/>
+          </a:p>
+        </p:txBody>
+      </p:sp>
+      <p:sp>
+        <p:nvSpPr>
+          <p:cNvPr id="197024524" name="TextBox 109"/>
+          <p:cNvSpPr txBox="1"/>
+          <p:nvPr/>
+        </p:nvSpPr>
+        <p:spPr bwMode="auto">
+          <a:xfrm>
+            <a:off x="4621456" y="5814814"/>
+            <a:ext cx="303287" cy="369331"/>
+          </a:xfrm>
+          <a:prstGeom prst="rect">
+            <a:avLst/>
+          </a:prstGeom>
+          <a:noFill/>
+        </p:spPr>
+        <p:txBody>
+          <a:bodyPr wrap="none" rtlCol="0">
+            <a:spAutoFit/>
+          </a:bodyPr>
+          <a:lstStyle/>
+          <a:p>
+            <a:pPr>
+              <a:defRPr/>
+            </a:pPr>
+            <a:r>
+              <a:rPr lang="en-US"/>
+              <a:t>P</a:t>
+            </a:r>
+            <a:endParaRPr/>
+          </a:p>
+        </p:txBody>
+      </p:sp>
+      <p:sp>
+        <p:nvSpPr>
+          <p:cNvPr id="1610450270" name="TextBox 111"/>
+          <p:cNvSpPr txBox="1"/>
+          <p:nvPr/>
+        </p:nvSpPr>
+        <p:spPr bwMode="auto">
+          <a:xfrm>
+            <a:off x="6121644" y="5853787"/>
+            <a:ext cx="436430" cy="369331"/>
+          </a:xfrm>
+          <a:prstGeom prst="rect">
+            <a:avLst/>
+          </a:prstGeom>
+          <a:noFill/>
+        </p:spPr>
+        <p:txBody>
+          <a:bodyPr wrap="square" rtlCol="0">
+            <a:spAutoFit/>
+          </a:bodyPr>
+          <a:lstStyle/>
+          <a:p>
+            <a:pPr>
+              <a:defRPr/>
+            </a:pPr>
+            <a:r>
+              <a:rPr lang="en-US"/>
+              <a:t>P</a:t>
+            </a:r>
+            <a:endParaRPr/>
+          </a:p>
+        </p:txBody>
+      </p:sp>
+      <p:sp>
+        <p:nvSpPr>
+          <p:cNvPr id="1891859396" name="TextBox 112"/>
+          <p:cNvSpPr txBox="1"/>
+          <p:nvPr/>
+        </p:nvSpPr>
+        <p:spPr bwMode="auto">
+          <a:xfrm>
+            <a:off x="7625347" y="5878399"/>
+            <a:ext cx="436430" cy="369331"/>
+          </a:xfrm>
+          <a:prstGeom prst="rect">
+            <a:avLst/>
+          </a:prstGeom>
+          <a:noFill/>
+        </p:spPr>
+        <p:txBody>
+          <a:bodyPr wrap="square" rtlCol="0">
+            <a:spAutoFit/>
+          </a:bodyPr>
+          <a:lstStyle/>
+          <a:p>
+            <a:pPr>
+              <a:defRPr/>
+            </a:pPr>
+            <a:r>
+              <a:rPr lang="en-US"/>
+              <a:t>P</a:t>
+            </a:r>
+            <a:endParaRPr/>
+          </a:p>
+        </p:txBody>
+      </p:sp>
+      <p:sp>
+        <p:nvSpPr>
+          <p:cNvPr id="398886663" name="TextBox 113"/>
+          <p:cNvSpPr txBox="1"/>
+          <p:nvPr/>
+        </p:nvSpPr>
+        <p:spPr bwMode="auto">
+          <a:xfrm>
+            <a:off x="9105015" y="5845374"/>
+            <a:ext cx="921061" cy="646330"/>
+          </a:xfrm>
+          <a:prstGeom prst="rect">
+            <a:avLst/>
+          </a:prstGeom>
+          <a:noFill/>
+        </p:spPr>
+        <p:txBody>
+          <a:bodyPr wrap="square" rtlCol="0">
+            <a:spAutoFit/>
+          </a:bodyPr>
+          <a:lstStyle/>
+          <a:p>
+            <a:pPr>
+              <a:defRPr/>
+            </a:pPr>
+            <a:r>
+              <a:rPr lang="en-US"/>
+              <a:t>Egress</a:t>
+            </a:r>
+            <a:endParaRPr/>
+          </a:p>
+          <a:p>
+            <a:pPr>
+              <a:defRPr/>
+            </a:pPr>
+            <a:r>
+              <a:rPr lang="en-US"/>
+              <a:t>PE</a:t>
+            </a:r>
+            <a:endParaRPr/>
+          </a:p>
+        </p:txBody>
+      </p:sp>
+      <p:sp>
+        <p:nvSpPr>
+          <p:cNvPr id="446789001" name="Freeform 115"/>
+          <p:cNvSpPr/>
+          <p:nvPr/>
+        </p:nvSpPr>
+        <p:spPr bwMode="auto">
+          <a:xfrm>
+            <a:off x="3428343" y="1913416"/>
+            <a:ext cx="5117294" cy="3182574"/>
+          </a:xfrm>
+          <a:custGeom>
+            <a:avLst/>
+            <a:gdLst>
+              <a:gd name="connsiteX0" fmla="*/ 6144322 w 6144322"/>
+              <a:gd name="connsiteY0" fmla="*/ 0 h 3612995"/>
+              <a:gd name="connsiteX1" fmla="*/ 6021659 w 6144322"/>
+              <a:gd name="connsiteY1" fmla="*/ 568713 h 3612995"/>
+              <a:gd name="connsiteX2" fmla="*/ 847493 w 6144322"/>
+              <a:gd name="connsiteY2" fmla="*/ 557561 h 3612995"/>
+              <a:gd name="connsiteX3" fmla="*/ 0 w 6144322"/>
+              <a:gd name="connsiteY3" fmla="*/ 3612995 h 3612995"/>
+            </a:gdLst>
+            <a:ahLst/>
+            <a:cxnLst>
+              <a:cxn ang="0">
+                <a:pos x="connsiteX0" y="connsiteY0"/>
+              </a:cxn>
+              <a:cxn ang="0">
+                <a:pos x="connsiteX1" y="connsiteY1"/>
+              </a:cxn>
+              <a:cxn ang="0">
+                <a:pos x="connsiteX2" y="connsiteY2"/>
+              </a:cxn>
+              <a:cxn ang="0">
+                <a:pos x="connsiteX3" y="connsiteY3"/>
+              </a:cxn>
+            </a:cxnLst>
+            <a:rect l="l" t="t" r="r" b="b"/>
+            <a:pathLst>
+              <a:path w="6144322" h="3612995" fill="norm" stroke="1" extrusionOk="0">
+                <a:moveTo>
+                  <a:pt x="6144322" y="0"/>
+                </a:moveTo>
+                <a:lnTo>
+                  <a:pt x="6021659" y="568713"/>
+                </a:lnTo>
+                <a:lnTo>
+                  <a:pt x="847493" y="557561"/>
+                </a:lnTo>
+                <a:lnTo>
+                  <a:pt x="0" y="3612995"/>
+                </a:lnTo>
+              </a:path>
+            </a:pathLst>
+          </a:custGeom>
+          <a:noFill/>
+          <a:ln w="19050">
+            <a:solidFill>
+              <a:srgbClr val="C00000"/>
+            </a:solidFill>
+            <a:headEnd type="none" w="med" len="med"/>
+            <a:tailEnd type="arrow" w="med" len="med"/>
+          </a:ln>
+        </p:spPr>
+        <p:style>
+          <a:lnRef idx="2">
+            <a:schemeClr val="accent1">
+              <a:shade val="50000"/>
+            </a:schemeClr>
+          </a:lnRef>
+          <a:fillRef idx="1">
+            <a:schemeClr val="accent1"/>
+          </a:fillRef>
+          <a:effectRef idx="0">
+            <a:schemeClr val="accent1"/>
+          </a:effectRef>
+          <a:fontRef idx="minor">
+            <a:schemeClr val="lt1"/>
+          </a:fontRef>
+        </p:style>
+        <p:txBody>
+          <a:bodyPr rtlCol="0" anchor="ctr"/>
+          <a:lstStyle/>
+          <a:p>
+            <a:pPr algn="ctr">
+              <a:defRPr/>
+            </a:pPr>
+            <a:endParaRPr lang="en-US"/>
+          </a:p>
+        </p:txBody>
+      </p:sp>
+      <p:sp>
+        <p:nvSpPr>
+          <p:cNvPr id="1264161549" name=""/>
+          <p:cNvSpPr txBox="1"/>
+          <p:nvPr/>
+        </p:nvSpPr>
+        <p:spPr bwMode="auto">
+          <a:xfrm flipH="0" flipV="0">
+            <a:off x="4506696" y="2582078"/>
+            <a:ext cx="7247646" cy="2286360"/>
+          </a:xfrm>
+          <a:prstGeom prst="rect">
+            <a:avLst/>
+          </a:prstGeom>
+          <a:solidFill>
+            <a:schemeClr val="accent6">
+              <a:lumMod val="20000"/>
+              <a:lumOff val="80000"/>
+            </a:schemeClr>
+          </a:solidFill>
+        </p:spPr>
+        <p:txBody>
+          <a:bodyPr vertOverflow="overflow" horzOverflow="overflow" vert="horz" wrap="none" lIns="91440" tIns="45720" rIns="91440" bIns="45720" numCol="1" spcCol="0" rtlCol="0" fromWordArt="0" anchor="t" anchorCtr="0" forceAA="0" upright="0" compatLnSpc="0">
+            <a:spAutoFit/>
+          </a:bodyPr>
+          <a:p>
+            <a:pPr>
+              <a:defRPr/>
+            </a:pPr>
+            <a:r>
+              <a:rPr sz="1600"/>
+              <a:t>Per-flow ingress state:</a:t>
+            </a:r>
+            <a:endParaRPr sz="1600"/>
+          </a:p>
+          <a:p>
+            <a:pPr marL="283879" indent="-283879">
+              <a:buFont typeface="Arial"/>
+              <a:buChar char="–"/>
+              <a:defRPr/>
+            </a:pPr>
+            <a:r>
+              <a:rPr sz="1600"/>
+              <a:t>Policing state, so each flows “behaves” as admitted across network</a:t>
+            </a:r>
+            <a:endParaRPr sz="1600"/>
+          </a:p>
+          <a:p>
+            <a:pPr marL="683929" lvl="1" indent="-283879">
+              <a:buFont typeface="Arial"/>
+              <a:buChar char="–"/>
+              <a:defRPr/>
+            </a:pPr>
+            <a:r>
+              <a:rPr sz="1600"/>
+              <a:t>Can include gate for flow-interleaving to time packets</a:t>
+            </a:r>
+            <a:endParaRPr sz="1600"/>
+          </a:p>
+          <a:p>
+            <a:pPr marL="283879" indent="-283879">
+              <a:buFont typeface="Arial"/>
+              <a:buChar char="–"/>
+              <a:defRPr/>
+            </a:pPr>
+            <a:r>
+              <a:rPr sz="1600"/>
+              <a:t>“ERO”: per-hop path-selection so flow is forwarded only exactly on the</a:t>
+            </a:r>
+            <a:br>
+              <a:rPr sz="1600"/>
+            </a:br>
+            <a:r>
+              <a:rPr sz="1600"/>
+              <a:t>path for which its resources (bandwidth, buffers) are reserved</a:t>
+            </a:r>
+            <a:endParaRPr sz="1600"/>
+          </a:p>
+          <a:p>
+            <a:pPr marL="683929" lvl="1" indent="-283879">
+              <a:buFont typeface="Arial"/>
+              <a:buChar char="–"/>
+              <a:defRPr/>
+            </a:pPr>
+            <a:r>
+              <a:rPr sz="1600"/>
+              <a:t>I.e.: Segment Routing (MPLS, IPv6), but “strict paths”</a:t>
+            </a:r>
+            <a:endParaRPr sz="1600"/>
+          </a:p>
+          <a:p>
+            <a:pPr marL="283879" indent="-283879">
+              <a:buFont typeface="Arial"/>
+              <a:buChar char="–"/>
+              <a:defRPr/>
+            </a:pPr>
+            <a:r>
+              <a:rPr sz="1600"/>
+              <a:t>Any latency-method-specific additional per-path, per-hop parameters</a:t>
+            </a:r>
+            <a:endParaRPr sz="1600"/>
+          </a:p>
+          <a:p>
+            <a:pPr marL="683929" lvl="1" indent="-283879">
+              <a:buFont typeface="Arial"/>
+              <a:buChar char="–"/>
+              <a:defRPr/>
+            </a:pPr>
+            <a:r>
+              <a:rPr sz="1600"/>
+              <a:t>i.e.: per-hop latency parameter</a:t>
+            </a:r>
+            <a:endParaRPr sz="1600"/>
+          </a:p>
+          <a:p>
+            <a:pPr marL="683929" lvl="1" indent="-283879">
+              <a:buFont typeface="Arial"/>
+              <a:buChar char="–"/>
+              <a:defRPr/>
+            </a:pPr>
+            <a:r>
+              <a:rPr sz="1600"/>
+              <a:t>SHAPER stated WOULDNOT WORK: requires inter-packet processing</a:t>
+            </a:r>
+            <a:endParaRPr sz="1600"/>
+          </a:p>
+        </p:txBody>
+      </p:sp>
+    </p:spTree>
+  </p:cSld>
+  <p:clrMapOvr>
+    <a:masterClrMapping/>
+  </p:clrMapOvr>
+  <mc:AlternateContent xmlns:mc="http://schemas.openxmlformats.org/markup-compatibility/2006">
+    <mc:Choice xmlns:p14="http://schemas.microsoft.com/office/powerpoint/2010/main" Requires="p14">
+      <p:transition p14:dur="0" advClick="1" advTm="17463"/>
+    </mc:Choice>
+    <mc:Fallback>
+      <p:transition advClick="1" advTm="17463"/>
+    </mc:Fallback>
+  </mc:AlternateContent>
+</p:sld>
+</file>
+
+<file path=ppt/slides/slide18.xml><?xml version="1.0" encoding="utf-8"?>
+<p:sld xmlns:a="http://schemas.openxmlformats.org/drawingml/2006/main" xmlns:r="http://schemas.openxmlformats.org/officeDocument/2006/relationships" xmlns:p="http://schemas.openxmlformats.org/presentationml/2006/main" xmlns:m="http://schemas.openxmlformats.org/officeDocument/2006/math" xmlns:w="http://schemas.openxmlformats.org/wordprocessingml/2006/main" showMasterPhAnim="0" show="1">
+  <p:cSld name="">
+    <p:spTree>
+      <p:nvGrpSpPr>
+        <p:cNvPr id="1" name=""/>
+        <p:cNvGrpSpPr/>
+        <p:nvPr/>
+      </p:nvGrpSpPr>
+      <p:grpSpPr bwMode="auto">
+        <a:xfrm>
+          <a:off x="0" y="0"/>
+          <a:ext cx="0" cy="0"/>
+          <a:chOff x="0" y="0"/>
+          <a:chExt cx="0" cy="0"/>
+        </a:xfrm>
+      </p:grpSpPr>
+      <p:sp>
+        <p:nvSpPr>
           <p:cNvPr id="914558970" name="Title 1" hidden="0"/>
           <p:cNvSpPr>
             <a:spLocks noGrp="1"/>
@@ -22514,12 +23804,12 @@
         <p:spPr bwMode="auto">
           <a:xfrm flipH="0" flipV="0">
             <a:off x="322687" y="4524374"/>
-            <a:ext cx="11031112" cy="2143125"/>
+            <a:ext cx="11234721" cy="2143125"/>
           </a:xfrm>
         </p:spPr>
         <p:txBody>
           <a:bodyPr vertOverflow="overflow" horzOverflow="overflow" vert="horz" wrap="square" lIns="91440" tIns="45720" rIns="91440" bIns="45720" numCol="1" spcCol="0" rtlCol="0" fromWordArt="0" anchor="t" anchorCtr="0" forceAA="0" upright="0" compatLnSpc="0">
-            <a:normAutofit/>
+            <a:normAutofit fontScale="80000" lnSpcReduction="4000"/>
           </a:bodyPr>
           <a:lstStyle/>
           <a:p>
@@ -22528,7 +23818,17 @@
             </a:pPr>
             <a:r>
               <a:rPr sz="2200"/>
-              <a:t>With Damper, all packets will have exactly the same inter arrival time at R2 queuing/scheduling as they did on R1</a:t>
+              <a:t>MAX calculus needs to include not only queuing/scheduling latency but also link-transmission (details later)</a:t>
+            </a:r>
+            <a:endParaRPr sz="2200"/>
+          </a:p>
+          <a:p>
+            <a:pPr lvl="0">
+              <a:defRPr/>
+            </a:pPr>
+            <a:r>
+              <a:rPr sz="2200"/>
+              <a:t>With Damper, all packets will have exactly the same inter-arrival time at R2 queuing/scheduling as they did on R1</a:t>
             </a:r>
             <a:endParaRPr sz="2200"/>
           </a:p>
@@ -22562,7 +23862,7 @@
             </a:r>
             <a:r>
               <a:rPr sz="2200"/>
-              <a:t>MAX on R1, then so can we on R2. Eliminated Burst impacts.</a:t>
+              <a:t>MAX on R1, then so can we on R2. We eliminated burst impacts.</a:t>
             </a:r>
             <a:endParaRPr sz="2200"/>
           </a:p>
@@ -23259,8 +24559,8 @@
         </p:nvSpPr>
         <p:spPr bwMode="auto">
           <a:xfrm rot="16199969" flipH="0" flipV="0">
-            <a:off x="4336192" y="2361364"/>
-            <a:ext cx="273843" cy="1197499"/>
+            <a:off x="5427233" y="1270323"/>
+            <a:ext cx="273843" cy="3379580"/>
           </a:xfrm>
           <a:prstGeom prst="leftBrace">
             <a:avLst>
@@ -23301,7 +24601,7 @@
         </p:nvSpPr>
         <p:spPr bwMode="auto">
           <a:xfrm flipH="0" flipV="0">
-            <a:off x="4226159" y="3143841"/>
+            <a:off x="4226159" y="3315980"/>
             <a:ext cx="2571825" cy="366119"/>
           </a:xfrm>
           <a:prstGeom prst="rect">
@@ -23549,7 +24849,7 @@
 </p:sld>
 </file>
 
-<file path=ppt/slides/slide18.xml><?xml version="1.0" encoding="utf-8"?>
+<file path=ppt/slides/slide19.xml><?xml version="1.0" encoding="utf-8"?>
 <p:sld xmlns:a="http://schemas.openxmlformats.org/drawingml/2006/main" xmlns:r="http://schemas.openxmlformats.org/officeDocument/2006/relationships" xmlns:p="http://schemas.openxmlformats.org/presentationml/2006/main" xmlns:m="http://schemas.openxmlformats.org/officeDocument/2006/math" xmlns:w="http://schemas.openxmlformats.org/wordprocessingml/2006/main" showMasterPhAnim="0" show="1">
   <p:cSld name="">
     <p:spTree>
@@ -23619,7 +24919,7 @@
             </a:pPr>
             <a:r>
               <a:rPr/>
-              <a:t>With RFC2212/UBS/TSN-ATS we only delay packets when necessary (during bursts and as needed afterwards). Most times, most packets will be delivered much earlier than maximum latency for this hop. With Damper, they will always be maximum “late”.</a:t>
+              <a:t>With RFC2212/UBS/TSN-ATS we only delay packets when necessary (during bursts and as needed after wards). Most times, most packets will be delivered much earlier than maximum latency for this hop. With Damper, they will always be maximum “late”.</a:t>
             </a:r>
             <a:endParaRPr/>
           </a:p>
@@ -23692,137 +24992,6 @@
               <a:t>If you run control loops faster than with guaranteed latency, it may easily crash when latency goes higher (but stays within bounded latency of course!).</a:t>
             </a:r>
             <a:endParaRPr/>
-          </a:p>
-        </p:txBody>
-      </p:sp>
-    </p:spTree>
-  </p:cSld>
-  <p:clrMapOvr>
-    <a:masterClrMapping/>
-  </p:clrMapOvr>
-  <mc:AlternateContent xmlns:mc="http://schemas.openxmlformats.org/markup-compatibility/2006">
-    <mc:Choice xmlns:p14="http://schemas.microsoft.com/office/powerpoint/2010/main" Requires="p14">
-      <p:transition p14:dur="2000" advClick="1"/>
-    </mc:Choice>
-    <mc:Fallback>
-      <p:transition advClick="1"/>
-    </mc:Fallback>
-  </mc:AlternateContent>
-</p:sld>
-</file>
-
-<file path=ppt/slides/slide19.xml><?xml version="1.0" encoding="utf-8"?>
-<p:sld xmlns:a="http://schemas.openxmlformats.org/drawingml/2006/main" xmlns:r="http://schemas.openxmlformats.org/officeDocument/2006/relationships" xmlns:p="http://schemas.openxmlformats.org/presentationml/2006/main" xmlns:m="http://schemas.openxmlformats.org/officeDocument/2006/math" xmlns:w="http://schemas.openxmlformats.org/wordprocessingml/2006/main" showMasterPhAnim="0" show="1">
-  <p:cSld name="">
-    <p:spTree>
-      <p:nvGrpSpPr>
-        <p:cNvPr id="1" name=""/>
-        <p:cNvGrpSpPr/>
-        <p:nvPr/>
-      </p:nvGrpSpPr>
-      <p:grpSpPr bwMode="auto">
-        <a:xfrm>
-          <a:off x="0" y="0"/>
-          <a:ext cx="0" cy="0"/>
-          <a:chOff x="0" y="0"/>
-          <a:chExt cx="0" cy="0"/>
-        </a:xfrm>
-      </p:grpSpPr>
-      <p:sp>
-        <p:nvSpPr>
-          <p:cNvPr id="464823399" name="Title 1" hidden="0"/>
-          <p:cNvSpPr>
-            <a:spLocks noGrp="1"/>
-          </p:cNvSpPr>
-          <p:nvPr isPhoto="0" userDrawn="0">
-            <p:ph type="title" hasCustomPrompt="0"/>
-          </p:nvPr>
-        </p:nvSpPr>
-        <p:spPr bwMode="auto">
-          <a:xfrm flipH="0" flipV="0">
-            <a:off x="838199" y="147082"/>
-            <a:ext cx="10515600" cy="713609"/>
-          </a:xfrm>
-        </p:spPr>
-        <p:txBody>
-          <a:bodyPr vertOverflow="overflow" horzOverflow="overflow" vert="horz" wrap="square" lIns="91440" tIns="45720" rIns="91440" bIns="45720" numCol="1" spcCol="0" rtlCol="0" fromWordArt="0" anchor="ctr" anchorCtr="0" forceAA="0" upright="0" compatLnSpc="0">
-            <a:normAutofit fontScale="90000" lnSpcReduction="2000"/>
-          </a:bodyPr>
-          <a:lstStyle/>
-          <a:p>
-            <a:pPr>
-              <a:defRPr/>
-            </a:pPr>
-            <a:r>
-              <a:rPr/>
-              <a:t>Benefits of synchronous packet transmission</a:t>
-            </a:r>
-            <a:endParaRPr/>
-          </a:p>
-        </p:txBody>
-      </p:sp>
-      <p:pic>
-        <p:nvPicPr>
-          <p:cNvPr id="472575486" name=""/>
-          <p:cNvPicPr>
-            <a:picLocks noChangeAspect="1"/>
-          </p:cNvPicPr>
-          <p:nvPr/>
-        </p:nvPicPr>
-        <p:blipFill>
-          <a:blip r:embed="rId2"/>
-          <a:stretch/>
-        </p:blipFill>
-        <p:spPr bwMode="auto">
-          <a:xfrm flipH="0" flipV="0">
-            <a:off x="48212" y="1125149"/>
-            <a:ext cx="12095575" cy="5329064"/>
-          </a:xfrm>
-          <a:prstGeom prst="rect">
-            <a:avLst/>
-          </a:prstGeom>
-        </p:spPr>
-      </p:pic>
-      <p:sp>
-        <p:nvSpPr>
-          <p:cNvPr id="571774826" name=""/>
-          <p:cNvSpPr txBox="1"/>
-          <p:nvPr/>
-        </p:nvSpPr>
-        <p:spPr bwMode="auto">
-          <a:xfrm flipH="0" flipV="0">
-            <a:off x="473054" y="6583266"/>
-            <a:ext cx="6706022" cy="274679"/>
-          </a:xfrm>
-          <a:prstGeom prst="rect">
-            <a:avLst/>
-          </a:prstGeom>
-          <a:noFill/>
-        </p:spPr>
-        <p:txBody>
-          <a:bodyPr vertOverflow="overflow" horzOverflow="overflow" vert="horz" wrap="none" lIns="91440" tIns="45720" rIns="91440" bIns="45720" numCol="1" spcCol="0" rtlCol="0" fromWordArt="0" anchor="t" anchorCtr="0" forceAA="0" upright="0" compatLnSpc="0">
-            <a:spAutoFit/>
-          </a:bodyPr>
-          <a:p>
-            <a:pPr>
-              <a:defRPr/>
-            </a:pPr>
-            <a:r>
-              <a:rPr sz="1200"/>
-              <a:t>(C) 2023, Springer, </a:t>
-            </a:r>
-            <a:r>
-              <a:rPr lang="en-US" sz="1200" b="0" i="0" u="none" strike="noStrike" cap="none" spc="0">
-                <a:solidFill>
-                  <a:schemeClr val="tx1"/>
-                </a:solidFill>
-                <a:latin typeface="Arial"/>
-                <a:ea typeface="Arial"/>
-                <a:cs typeface="Arial"/>
-              </a:rPr>
-              <a:t>Journal of Network and Systems Management, 31, Article number: 34 (2023)</a:t>
-            </a:r>
-            <a:endParaRPr sz="1200"/>
           </a:p>
         </p:txBody>
       </p:sp>
@@ -24137,6 +25306,297 @@
 </file>
 
 <file path=ppt/slides/slide20.xml><?xml version="1.0" encoding="utf-8"?>
+<p:sld xmlns:a="http://schemas.openxmlformats.org/drawingml/2006/main" xmlns:r="http://schemas.openxmlformats.org/officeDocument/2006/relationships" xmlns:p="http://schemas.openxmlformats.org/presentationml/2006/main" xmlns:m="http://schemas.openxmlformats.org/officeDocument/2006/math" xmlns:w="http://schemas.openxmlformats.org/wordprocessingml/2006/main" showMasterPhAnim="0" show="1">
+  <p:cSld name="">
+    <p:spTree>
+      <p:nvGrpSpPr>
+        <p:cNvPr id="1" name=""/>
+        <p:cNvGrpSpPr/>
+        <p:nvPr/>
+      </p:nvGrpSpPr>
+      <p:grpSpPr bwMode="auto">
+        <a:xfrm>
+          <a:off x="0" y="0"/>
+          <a:ext cx="0" cy="0"/>
+          <a:chOff x="0" y="0"/>
+          <a:chExt cx="0" cy="0"/>
+        </a:xfrm>
+      </p:grpSpPr>
+      <p:sp>
+        <p:nvSpPr>
+          <p:cNvPr id="464823399" name="Title 1" hidden="0"/>
+          <p:cNvSpPr>
+            <a:spLocks noGrp="1"/>
+          </p:cNvSpPr>
+          <p:nvPr isPhoto="0" userDrawn="0">
+            <p:ph type="title" hasCustomPrompt="0"/>
+          </p:nvPr>
+        </p:nvSpPr>
+        <p:spPr bwMode="auto">
+          <a:xfrm flipH="0" flipV="0">
+            <a:off x="838199" y="147082"/>
+            <a:ext cx="10515600" cy="713609"/>
+          </a:xfrm>
+        </p:spPr>
+        <p:txBody>
+          <a:bodyPr vertOverflow="overflow" horzOverflow="overflow" vert="horz" wrap="square" lIns="91440" tIns="45720" rIns="91440" bIns="45720" numCol="1" spcCol="0" rtlCol="0" fromWordArt="0" anchor="ctr" anchorCtr="0" forceAA="0" upright="0" compatLnSpc="0">
+            <a:normAutofit fontScale="90000" lnSpcReduction="2000"/>
+          </a:bodyPr>
+          <a:lstStyle/>
+          <a:p>
+            <a:pPr>
+              <a:defRPr/>
+            </a:pPr>
+            <a:r>
+              <a:rPr/>
+              <a:t>Benefits of synchronous packet transmission</a:t>
+            </a:r>
+            <a:endParaRPr/>
+          </a:p>
+        </p:txBody>
+      </p:sp>
+      <p:pic>
+        <p:nvPicPr>
+          <p:cNvPr id="472575486" name=""/>
+          <p:cNvPicPr>
+            <a:picLocks noChangeAspect="1"/>
+          </p:cNvPicPr>
+          <p:nvPr/>
+        </p:nvPicPr>
+        <p:blipFill>
+          <a:blip r:embed="rId2"/>
+          <a:stretch/>
+        </p:blipFill>
+        <p:spPr bwMode="auto">
+          <a:xfrm flipH="0" flipV="0">
+            <a:off x="48212" y="1125149"/>
+            <a:ext cx="12095575" cy="5329064"/>
+          </a:xfrm>
+          <a:prstGeom prst="rect">
+            <a:avLst/>
+          </a:prstGeom>
+        </p:spPr>
+      </p:pic>
+      <p:sp>
+        <p:nvSpPr>
+          <p:cNvPr id="571774826" name=""/>
+          <p:cNvSpPr txBox="1"/>
+          <p:nvPr/>
+        </p:nvSpPr>
+        <p:spPr bwMode="auto">
+          <a:xfrm flipH="0" flipV="0">
+            <a:off x="473054" y="6583266"/>
+            <a:ext cx="6706022" cy="274679"/>
+          </a:xfrm>
+          <a:prstGeom prst="rect">
+            <a:avLst/>
+          </a:prstGeom>
+          <a:noFill/>
+        </p:spPr>
+        <p:txBody>
+          <a:bodyPr vertOverflow="overflow" horzOverflow="overflow" vert="horz" wrap="none" lIns="91440" tIns="45720" rIns="91440" bIns="45720" numCol="1" spcCol="0" rtlCol="0" fromWordArt="0" anchor="t" anchorCtr="0" forceAA="0" upright="0" compatLnSpc="0">
+            <a:spAutoFit/>
+          </a:bodyPr>
+          <a:p>
+            <a:pPr>
+              <a:defRPr/>
+            </a:pPr>
+            <a:r>
+              <a:rPr sz="1200"/>
+              <a:t>(C) 2023, Springer, </a:t>
+            </a:r>
+            <a:r>
+              <a:rPr lang="en-US" sz="1200" b="0" i="0" u="none" strike="noStrike" cap="none" spc="0">
+                <a:solidFill>
+                  <a:schemeClr val="tx1"/>
+                </a:solidFill>
+                <a:latin typeface="Arial"/>
+                <a:ea typeface="Arial"/>
+                <a:cs typeface="Arial"/>
+              </a:rPr>
+              <a:t>Journal of Network and Systems Management, 31, Article number: 34 (2023)</a:t>
+            </a:r>
+            <a:endParaRPr sz="1200"/>
+          </a:p>
+        </p:txBody>
+      </p:sp>
+      <p:sp>
+        <p:nvSpPr>
+          <p:cNvPr id="825759981" name=""/>
+          <p:cNvSpPr/>
+          <p:nvPr/>
+        </p:nvSpPr>
+        <p:spPr bwMode="auto">
+          <a:xfrm flipH="0" flipV="0">
+            <a:off x="6932620" y="1560722"/>
+            <a:ext cx="1836144" cy="872168"/>
+          </a:xfrm>
+          <a:prstGeom prst="ellipse">
+            <a:avLst/>
+          </a:prstGeom>
+          <a:noFill/>
+          <a:ln w="28575" cap="flat" cmpd="sng" algn="ctr">
+            <a:solidFill>
+              <a:srgbClr val="FF0000"/>
+            </a:solidFill>
+            <a:prstDash val="solid"/>
+            <a:miter lim="800000"/>
+          </a:ln>
+        </p:spPr>
+        <p:style>
+          <a:lnRef idx="2">
+            <a:schemeClr val="accent1">
+              <a:shade val="50000"/>
+            </a:schemeClr>
+          </a:lnRef>
+          <a:fillRef idx="1">
+            <a:schemeClr val="accent1"/>
+          </a:fillRef>
+          <a:effectRef idx="0">
+            <a:schemeClr val="accent1"/>
+          </a:effectRef>
+          <a:fontRef idx="minor">
+            <a:schemeClr val="lt1"/>
+          </a:fontRef>
+        </p:style>
+      </p:sp>
+      <p:sp>
+        <p:nvSpPr>
+          <p:cNvPr id="1896118371" name=""/>
+          <p:cNvSpPr/>
+          <p:nvPr/>
+        </p:nvSpPr>
+        <p:spPr bwMode="auto">
+          <a:xfrm flipH="0" flipV="0">
+            <a:off x="9517655" y="1472127"/>
+            <a:ext cx="1836144" cy="872167"/>
+          </a:xfrm>
+          <a:prstGeom prst="ellipse">
+            <a:avLst/>
+          </a:prstGeom>
+          <a:noFill/>
+          <a:ln w="28575" cap="flat" cmpd="sng" algn="ctr">
+            <a:solidFill>
+              <a:srgbClr val="FF0000"/>
+            </a:solidFill>
+            <a:prstDash val="solid"/>
+            <a:miter lim="800000"/>
+          </a:ln>
+        </p:spPr>
+        <p:style>
+          <a:lnRef idx="2">
+            <a:schemeClr val="accent1">
+              <a:shade val="50000"/>
+            </a:schemeClr>
+          </a:lnRef>
+          <a:fillRef idx="1">
+            <a:schemeClr val="accent1"/>
+          </a:fillRef>
+          <a:effectRef idx="0">
+            <a:schemeClr val="accent1"/>
+          </a:effectRef>
+          <a:fontRef idx="minor">
+            <a:schemeClr val="lt1"/>
+          </a:fontRef>
+        </p:style>
+      </p:sp>
+      <p:sp>
+        <p:nvSpPr>
+          <p:cNvPr id="256381392" name=""/>
+          <p:cNvSpPr/>
+          <p:nvPr/>
+        </p:nvSpPr>
+        <p:spPr bwMode="auto">
+          <a:xfrm flipH="0" flipV="0">
+            <a:off x="8109333" y="2708313"/>
+            <a:ext cx="2326394" cy="837740"/>
+          </a:xfrm>
+          <a:prstGeom prst="ellipse">
+            <a:avLst/>
+          </a:prstGeom>
+          <a:noFill/>
+          <a:ln w="28575" cap="flat" cmpd="sng" algn="ctr">
+            <a:solidFill>
+              <a:srgbClr val="FF0000"/>
+            </a:solidFill>
+            <a:prstDash val="solid"/>
+            <a:miter lim="800000"/>
+          </a:ln>
+        </p:spPr>
+        <p:style>
+          <a:lnRef idx="2">
+            <a:schemeClr val="accent1">
+              <a:shade val="50000"/>
+            </a:schemeClr>
+          </a:lnRef>
+          <a:fillRef idx="1">
+            <a:schemeClr val="accent1"/>
+          </a:fillRef>
+          <a:effectRef idx="0">
+            <a:schemeClr val="accent1"/>
+          </a:effectRef>
+          <a:fontRef idx="minor">
+            <a:schemeClr val="lt1"/>
+          </a:fontRef>
+        </p:style>
+      </p:sp>
+      <p:sp>
+        <p:nvSpPr>
+          <p:cNvPr id="1446496558" name=""/>
+          <p:cNvSpPr/>
+          <p:nvPr/>
+        </p:nvSpPr>
+        <p:spPr bwMode="auto">
+          <a:xfrm flipH="0" flipV="0">
+            <a:off x="7804788" y="4455862"/>
+            <a:ext cx="1227921" cy="1293564"/>
+          </a:xfrm>
+          <a:prstGeom prst="ellipse">
+            <a:avLst/>
+          </a:prstGeom>
+          <a:noFill/>
+          <a:ln w="28575" cap="flat" cmpd="sng" algn="ctr">
+            <a:solidFill>
+              <a:srgbClr val="FF0000"/>
+            </a:solidFill>
+            <a:prstDash val="solid"/>
+            <a:miter lim="800000"/>
+          </a:ln>
+        </p:spPr>
+        <p:style>
+          <a:lnRef idx="2">
+            <a:schemeClr val="accent1">
+              <a:shade val="50000"/>
+            </a:schemeClr>
+          </a:lnRef>
+          <a:fillRef idx="1">
+            <a:schemeClr val="accent1"/>
+          </a:fillRef>
+          <a:effectRef idx="0">
+            <a:schemeClr val="accent1"/>
+          </a:effectRef>
+          <a:fontRef idx="minor">
+            <a:schemeClr val="lt1"/>
+          </a:fontRef>
+        </p:style>
+      </p:sp>
+    </p:spTree>
+  </p:cSld>
+  <p:clrMapOvr>
+    <a:masterClrMapping/>
+  </p:clrMapOvr>
+  <mc:AlternateContent xmlns:mc="http://schemas.openxmlformats.org/markup-compatibility/2006">
+    <mc:Choice xmlns:p14="http://schemas.microsoft.com/office/powerpoint/2010/main" Requires="p14">
+      <p:transition p14:dur="2000" advClick="1"/>
+    </mc:Choice>
+    <mc:Fallback>
+      <p:transition advClick="1"/>
+    </mc:Fallback>
+  </mc:AlternateContent>
+</p:sld>
+</file>
+
+<file path=ppt/slides/slide21.xml><?xml version="1.0" encoding="utf-8"?>
 <p:sld xmlns:a="http://schemas.openxmlformats.org/drawingml/2006/main" xmlns:r="http://schemas.openxmlformats.org/officeDocument/2006/relationships" xmlns:p="http://schemas.openxmlformats.org/presentationml/2006/main" xmlns:m="http://schemas.openxmlformats.org/officeDocument/2006/math" xmlns:w="http://schemas.openxmlformats.org/wordprocessingml/2006/main" showMasterPhAnim="0" show="1">
   <p:cSld name="">
     <p:spTree>
@@ -24334,7 +25794,7 @@
 </p:sld>
 </file>
 
-<file path=ppt/slides/slide21.xml><?xml version="1.0" encoding="utf-8"?>
+<file path=ppt/slides/slide22.xml><?xml version="1.0" encoding="utf-8"?>
 <p:sld xmlns:a="http://schemas.openxmlformats.org/drawingml/2006/main" xmlns:r="http://schemas.openxmlformats.org/officeDocument/2006/relationships" xmlns:p="http://schemas.openxmlformats.org/presentationml/2006/main" xmlns:m="http://schemas.openxmlformats.org/officeDocument/2006/math" xmlns:w="http://schemas.openxmlformats.org/wordprocessingml/2006/main" showMasterPhAnim="0" show="1">
   <p:cSld name="">
     <p:spTree>
@@ -24454,7 +25914,7 @@
 </p:sld>
 </file>
 
-<file path=ppt/slides/slide22.xml><?xml version="1.0" encoding="utf-8"?>
+<file path=ppt/slides/slide23.xml><?xml version="1.0" encoding="utf-8"?>
 <p:sld xmlns:a="http://schemas.openxmlformats.org/drawingml/2006/main" xmlns:r="http://schemas.openxmlformats.org/officeDocument/2006/relationships" xmlns:p="http://schemas.openxmlformats.org/presentationml/2006/main" xmlns:m="http://schemas.openxmlformats.org/officeDocument/2006/math" xmlns:w="http://schemas.openxmlformats.org/wordprocessingml/2006/main" showMasterPhAnim="0" show="1">
   <p:cSld name="">
     <p:spTree>
@@ -25792,7 +27252,7 @@
 </p:sld>
 </file>
 
-<file path=ppt/slides/slide23.xml><?xml version="1.0" encoding="utf-8"?>
+<file path=ppt/slides/slide24.xml><?xml version="1.0" encoding="utf-8"?>
 <p:sld xmlns:a="http://schemas.openxmlformats.org/drawingml/2006/main" xmlns:r="http://schemas.openxmlformats.org/officeDocument/2006/relationships" xmlns:p="http://schemas.openxmlformats.org/presentationml/2006/main" xmlns:m="http://schemas.openxmlformats.org/officeDocument/2006/math" xmlns:w="http://schemas.openxmlformats.org/wordprocessingml/2006/main" showMasterPhAnim="0" show="1">
   <p:cSld name="">
     <p:spTree>
@@ -27532,7 +28992,7 @@
 </p:sld>
 </file>
 
-<file path=ppt/slides/slide24.xml><?xml version="1.0" encoding="utf-8"?>
+<file path=ppt/slides/slide25.xml><?xml version="1.0" encoding="utf-8"?>
 <p:sld xmlns:a="http://schemas.openxmlformats.org/drawingml/2006/main" xmlns:r="http://schemas.openxmlformats.org/officeDocument/2006/relationships" xmlns:p="http://schemas.openxmlformats.org/presentationml/2006/main" xmlns:m="http://schemas.openxmlformats.org/officeDocument/2006/math" xmlns:w="http://schemas.openxmlformats.org/wordprocessingml/2006/main" showMasterPhAnim="0" show="1">
   <p:cSld name="">
     <p:spTree>
@@ -27745,7 +29205,7 @@
 </p:sld>
 </file>
 
-<file path=ppt/slides/slide25.xml><?xml version="1.0" encoding="utf-8"?>
+<file path=ppt/slides/slide26.xml><?xml version="1.0" encoding="utf-8"?>
 <p:sld xmlns:a="http://schemas.openxmlformats.org/drawingml/2006/main" xmlns:r="http://schemas.openxmlformats.org/officeDocument/2006/relationships" xmlns:p="http://schemas.openxmlformats.org/presentationml/2006/main" xmlns:m="http://schemas.openxmlformats.org/officeDocument/2006/math" xmlns:w="http://schemas.openxmlformats.org/wordprocessingml/2006/main" showMasterPhAnim="0" show="1">
   <p:cSld name="">
     <p:spTree>
@@ -27895,7 +29355,7 @@
 </p:sld>
 </file>
 
-<file path=ppt/slides/slide26.xml><?xml version="1.0" encoding="utf-8"?>
+<file path=ppt/slides/slide27.xml><?xml version="1.0" encoding="utf-8"?>
 <p:sld xmlns:a="http://schemas.openxmlformats.org/drawingml/2006/main" xmlns:r="http://schemas.openxmlformats.org/officeDocument/2006/relationships" xmlns:p="http://schemas.openxmlformats.org/presentationml/2006/main" xmlns:m="http://schemas.openxmlformats.org/officeDocument/2006/math" xmlns:w="http://schemas.openxmlformats.org/wordprocessingml/2006/main" showMasterPhAnim="0" show="1">
   <p:cSld name="">
     <p:spTree>
@@ -30166,7 +31626,7 @@
 </p:sld>
 </file>
 
-<file path=ppt/slides/slide27.xml><?xml version="1.0" encoding="utf-8"?>
+<file path=ppt/slides/slide28.xml><?xml version="1.0" encoding="utf-8"?>
 <p:sld xmlns:a="http://schemas.openxmlformats.org/drawingml/2006/main" xmlns:r="http://schemas.openxmlformats.org/officeDocument/2006/relationships" xmlns:p="http://schemas.openxmlformats.org/presentationml/2006/main" xmlns:m="http://schemas.openxmlformats.org/officeDocument/2006/math" xmlns:w="http://schemas.openxmlformats.org/wordprocessingml/2006/main" showMasterPhAnim="0" show="1">
   <p:cSld name="">
     <p:spTree>
@@ -30321,7 +31781,7 @@
 </p:sld>
 </file>
 
-<file path=ppt/slides/slide28.xml><?xml version="1.0" encoding="utf-8"?>
+<file path=ppt/slides/slide29.xml><?xml version="1.0" encoding="utf-8"?>
 <p:sld xmlns:a="http://schemas.openxmlformats.org/drawingml/2006/main" xmlns:r="http://schemas.openxmlformats.org/officeDocument/2006/relationships" xmlns:p="http://schemas.openxmlformats.org/presentationml/2006/main" xmlns:m="http://schemas.openxmlformats.org/officeDocument/2006/math" xmlns:w="http://schemas.openxmlformats.org/wordprocessingml/2006/main" showMasterPhAnim="0" show="1">
   <p:cSld name="">
     <p:spTree>
@@ -32607,7 +34067,7 @@
 </p:sld>
 </file>
 
-<file path=ppt/slides/slide29.xml><?xml version="1.0" encoding="utf-8"?>
+<file path=ppt/slides/slide3.xml><?xml version="1.0" encoding="utf-8"?>
 <p:sld xmlns:a="http://schemas.openxmlformats.org/drawingml/2006/main" xmlns:r="http://schemas.openxmlformats.org/officeDocument/2006/relationships" xmlns:p="http://schemas.openxmlformats.org/presentationml/2006/main" xmlns:m="http://schemas.openxmlformats.org/officeDocument/2006/math" xmlns:w="http://schemas.openxmlformats.org/wordprocessingml/2006/main" showMasterPhAnim="0" show="1">
   <p:cSld name="">
     <p:spTree>
@@ -32626,7 +34086,7 @@
       </p:grpSpPr>
       <p:sp>
         <p:nvSpPr>
-          <p:cNvPr id="437676953" name="Title 1" hidden="0"/>
+          <p:cNvPr id="2037553812" name="Title 1" hidden="0"/>
           <p:cNvSpPr>
             <a:spLocks noGrp="1"/>
           </p:cNvSpPr>
@@ -32653,21 +34113,7 @@
             </a:pPr>
             <a:r>
               <a:rPr/>
-              <a:t>Proposed</a:t>
-            </a:r>
-            <a:br>
-              <a:rPr/>
-            </a:br>
-            <a:r>
-              <a:rPr/>
-              <a:t>High Speed (ASIC/FPGA)</a:t>
-            </a:r>
-            <a:br>
-              <a:rPr/>
-            </a:br>
-            <a:r>
-              <a:rPr/>
-              <a:t>implementation options</a:t>
+              <a:t>Introduction</a:t>
             </a:r>
             <a:endParaRPr/>
           </a:p>
@@ -32675,7 +34121,7 @@
       </p:sp>
       <p:sp>
         <p:nvSpPr>
-          <p:cNvPr id="1206607470" name="Text Placeholder 2" hidden="0"/>
+          <p:cNvPr id="279394640" name="Text Placeholder 2" hidden="0"/>
           <p:cNvSpPr>
             <a:spLocks noGrp="1"/>
           </p:cNvSpPr>
@@ -32788,34 +34234,16 @@
               <a:defRPr/>
             </a:pPr>
             <a:r>
-              <a:rPr sz="2800" i="0">
+              <a:rPr sz="2600" b="0">
                 <a:solidFill>
                   <a:schemeClr val="tx1"/>
                 </a:solidFill>
               </a:rPr>
-              <a:t>Internal behavior – not part of standard (appendix in draft).</a:t>
-            </a:r>
-            <a:endParaRPr sz="2800" i="0">
+              <a:t>Positioning, History, Use-cases</a:t>
+            </a:r>
+            <a:endParaRPr sz="2600" b="0">
               <a:solidFill>
                 <a:schemeClr val="tx1"/>
-              </a:solidFill>
-            </a:endParaRPr>
-          </a:p>
-          <a:p>
-            <a:pPr>
-              <a:defRPr/>
-            </a:pPr>
-            <a:r>
-              <a:rPr sz="2800" i="1">
-                <a:solidFill>
-                  <a:srgbClr val="FF0000"/>
-                </a:solidFill>
-              </a:rPr>
-              <a:t>Not implemented, not validated!</a:t>
-            </a:r>
-            <a:endParaRPr sz="2800" i="1">
-              <a:solidFill>
-                <a:srgbClr val="FF0000"/>
               </a:solidFill>
             </a:endParaRPr>
           </a:p>
@@ -32837,7 +34265,7 @@
 </p:sld>
 </file>
 
-<file path=ppt/slides/slide3.xml><?xml version="1.0" encoding="utf-8"?>
+<file path=ppt/slides/slide30.xml><?xml version="1.0" encoding="utf-8"?>
 <p:sld xmlns:a="http://schemas.openxmlformats.org/drawingml/2006/main" xmlns:r="http://schemas.openxmlformats.org/officeDocument/2006/relationships" xmlns:p="http://schemas.openxmlformats.org/presentationml/2006/main" xmlns:m="http://schemas.openxmlformats.org/officeDocument/2006/math" xmlns:w="http://schemas.openxmlformats.org/wordprocessingml/2006/main" showMasterPhAnim="0" show="1">
   <p:cSld name="">
     <p:spTree>
@@ -32856,7 +34284,7 @@
       </p:grpSpPr>
       <p:sp>
         <p:nvSpPr>
-          <p:cNvPr id="2037553812" name="Title 1" hidden="0"/>
+          <p:cNvPr id="437676953" name="Title 1" hidden="0"/>
           <p:cNvSpPr>
             <a:spLocks noGrp="1"/>
           </p:cNvSpPr>
@@ -32883,7 +34311,21 @@
             </a:pPr>
             <a:r>
               <a:rPr/>
-              <a:t>Introduction</a:t>
+              <a:t>Proposed</a:t>
+            </a:r>
+            <a:br>
+              <a:rPr/>
+            </a:br>
+            <a:r>
+              <a:rPr/>
+              <a:t>High Speed (ASIC/FPGA)</a:t>
+            </a:r>
+            <a:br>
+              <a:rPr/>
+            </a:br>
+            <a:r>
+              <a:rPr/>
+              <a:t>implementation options</a:t>
             </a:r>
             <a:endParaRPr/>
           </a:p>
@@ -32891,7 +34333,7 @@
       </p:sp>
       <p:sp>
         <p:nvSpPr>
-          <p:cNvPr id="279394640" name="Text Placeholder 2" hidden="0"/>
+          <p:cNvPr id="1206607470" name="Text Placeholder 2" hidden="0"/>
           <p:cNvSpPr>
             <a:spLocks noGrp="1"/>
           </p:cNvSpPr>
@@ -33004,16 +34446,34 @@
               <a:defRPr/>
             </a:pPr>
             <a:r>
-              <a:rPr sz="2600" b="0">
+              <a:rPr sz="2800" i="0">
                 <a:solidFill>
                   <a:schemeClr val="tx1"/>
                 </a:solidFill>
               </a:rPr>
-              <a:t>Positioning, History, Use-cases</a:t>
-            </a:r>
-            <a:endParaRPr sz="2600" b="0">
+              <a:t>Internal behavior – not part of standard (appendix in draft).</a:t>
+            </a:r>
+            <a:endParaRPr sz="2800" i="0">
               <a:solidFill>
                 <a:schemeClr val="tx1"/>
+              </a:solidFill>
+            </a:endParaRPr>
+          </a:p>
+          <a:p>
+            <a:pPr>
+              <a:defRPr/>
+            </a:pPr>
+            <a:r>
+              <a:rPr sz="2800" i="1">
+                <a:solidFill>
+                  <a:srgbClr val="FF0000"/>
+                </a:solidFill>
+              </a:rPr>
+              <a:t>Not implemented, not validated!</a:t>
+            </a:r>
+            <a:endParaRPr sz="2800" i="1">
+              <a:solidFill>
+                <a:srgbClr val="FF0000"/>
               </a:solidFill>
             </a:endParaRPr>
           </a:p>
@@ -33035,7 +34495,7 @@
 </p:sld>
 </file>
 
-<file path=ppt/slides/slide30.xml><?xml version="1.0" encoding="utf-8"?>
+<file path=ppt/slides/slide31.xml><?xml version="1.0" encoding="utf-8"?>
 <p:sld xmlns:a="http://schemas.openxmlformats.org/drawingml/2006/main" xmlns:r="http://schemas.openxmlformats.org/officeDocument/2006/relationships" xmlns:p="http://schemas.openxmlformats.org/presentationml/2006/main" xmlns:m="http://schemas.openxmlformats.org/officeDocument/2006/math" xmlns:w="http://schemas.openxmlformats.org/wordprocessingml/2006/main" showMasterPhAnim="0" show="1">
   <p:cSld name="">
     <p:spTree>
@@ -34755,7 +36215,7 @@
 </p:sld>
 </file>
 
-<file path=ppt/slides/slide31.xml><?xml version="1.0" encoding="utf-8"?>
+<file path=ppt/slides/slide32.xml><?xml version="1.0" encoding="utf-8"?>
 <p:sld xmlns:a="http://schemas.openxmlformats.org/drawingml/2006/main" xmlns:r="http://schemas.openxmlformats.org/officeDocument/2006/relationships" xmlns:p="http://schemas.openxmlformats.org/presentationml/2006/main" xmlns:m="http://schemas.openxmlformats.org/officeDocument/2006/math" xmlns:w="http://schemas.openxmlformats.org/wordprocessingml/2006/main" showMasterPhAnim="0" show="1">
   <p:cSld name="">
     <p:spTree>
@@ -36291,7 +37751,7 @@
 </p:sld>
 </file>
 
-<file path=ppt/slides/slide32.xml><?xml version="1.0" encoding="utf-8"?>
+<file path=ppt/slides/slide33.xml><?xml version="1.0" encoding="utf-8"?>
 <p:sld xmlns:a="http://schemas.openxmlformats.org/drawingml/2006/main" xmlns:r="http://schemas.openxmlformats.org/officeDocument/2006/relationships" xmlns:p="http://schemas.openxmlformats.org/presentationml/2006/main" xmlns:m="http://schemas.openxmlformats.org/officeDocument/2006/math" xmlns:w="http://schemas.openxmlformats.org/wordprocessingml/2006/main" showMasterPhAnim="0" show="1">
   <p:cSld name="">
     <p:spTree>
@@ -36482,7 +37942,7 @@
 </p:sld>
 </file>
 
-<file path=ppt/slides/slide33.xml><?xml version="1.0" encoding="utf-8"?>
+<file path=ppt/slides/slide34.xml><?xml version="1.0" encoding="utf-8"?>
 <p:sld xmlns:a="http://schemas.openxmlformats.org/drawingml/2006/main" xmlns:r="http://schemas.openxmlformats.org/officeDocument/2006/relationships" xmlns:p="http://schemas.openxmlformats.org/presentationml/2006/main" xmlns:m="http://schemas.openxmlformats.org/officeDocument/2006/math" xmlns:w="http://schemas.openxmlformats.org/wordprocessingml/2006/main" showMasterPhAnim="0" show="1">
   <p:cSld name="">
     <p:spTree>
@@ -38036,7 +39496,7 @@
 </p:sld>
 </file>
 
-<file path=ppt/slides/slide34.xml><?xml version="1.0" encoding="utf-8"?>
+<file path=ppt/slides/slide35.xml><?xml version="1.0" encoding="utf-8"?>
 <p:sld xmlns:a="http://schemas.openxmlformats.org/drawingml/2006/main" xmlns:r="http://schemas.openxmlformats.org/officeDocument/2006/relationships" xmlns:p="http://schemas.openxmlformats.org/presentationml/2006/main" xmlns:m="http://schemas.openxmlformats.org/officeDocument/2006/math" xmlns:w="http://schemas.openxmlformats.org/wordprocessingml/2006/main" showMasterPhAnim="0" show="1">
   <p:cSld name="">
     <p:spTree>
@@ -38240,7 +39700,7 @@
 </p:sld>
 </file>
 
-<file path=ppt/slides/slide35.xml><?xml version="1.0" encoding="utf-8"?>
+<file path=ppt/slides/slide36.xml><?xml version="1.0" encoding="utf-8"?>
 <p:sld xmlns:a="http://schemas.openxmlformats.org/drawingml/2006/main" xmlns:r="http://schemas.openxmlformats.org/officeDocument/2006/relationships" xmlns:p="http://schemas.openxmlformats.org/presentationml/2006/main" xmlns:m="http://schemas.openxmlformats.org/officeDocument/2006/math" xmlns:w="http://schemas.openxmlformats.org/wordprocessingml/2006/main" showMasterPhAnim="0" show="1">
   <p:cSld name="">
     <p:spTree>
@@ -38426,7 +39886,7 @@
 </p:sld>
 </file>
 
-<file path=ppt/slides/slide36.xml><?xml version="1.0" encoding="utf-8"?>
+<file path=ppt/slides/slide37.xml><?xml version="1.0" encoding="utf-8"?>
 <p:sld xmlns:a="http://schemas.openxmlformats.org/drawingml/2006/main" xmlns:r="http://schemas.openxmlformats.org/officeDocument/2006/relationships" xmlns:p="http://schemas.openxmlformats.org/presentationml/2006/main" xmlns:m="http://schemas.openxmlformats.org/officeDocument/2006/math" xmlns:w="http://schemas.openxmlformats.org/wordprocessingml/2006/main" showMasterPhAnim="0" show="1">
   <p:cSld name="">
     <p:spTree>
@@ -42407,7 +43867,7 @@
 </p:sld>
 </file>
 
-<file path=ppt/slides/slide37.xml><?xml version="1.0" encoding="utf-8"?>
+<file path=ppt/slides/slide38.xml><?xml version="1.0" encoding="utf-8"?>
 <p:sld xmlns:a="http://schemas.openxmlformats.org/drawingml/2006/main" xmlns:r="http://schemas.openxmlformats.org/officeDocument/2006/relationships" xmlns:p="http://schemas.openxmlformats.org/presentationml/2006/main" xmlns:m="http://schemas.openxmlformats.org/officeDocument/2006/math" xmlns:w="http://schemas.openxmlformats.org/wordprocessingml/2006/main" showMasterPhAnim="0" show="1">
   <p:cSld name="">
     <p:spTree>
@@ -42560,7 +44020,7 @@
 </p:sld>
 </file>
 
-<file path=ppt/slides/slide38.xml><?xml version="1.0" encoding="utf-8"?>
+<file path=ppt/slides/slide39.xml><?xml version="1.0" encoding="utf-8"?>
 <p:sld xmlns:a="http://schemas.openxmlformats.org/drawingml/2006/main" xmlns:r="http://schemas.openxmlformats.org/officeDocument/2006/relationships" xmlns:p="http://schemas.openxmlformats.org/presentationml/2006/main" xmlns:m="http://schemas.openxmlformats.org/officeDocument/2006/math" xmlns:w="http://schemas.openxmlformats.org/wordprocessingml/2006/main" showMasterPhAnim="0" show="1">
   <p:cSld name="">
     <p:spTree>
@@ -42746,263 +44206,6 @@
 </p:sld>
 </file>
 
-<file path=ppt/slides/slide39.xml><?xml version="1.0" encoding="utf-8"?>
-<p:sld xmlns:a="http://schemas.openxmlformats.org/drawingml/2006/main" xmlns:r="http://schemas.openxmlformats.org/officeDocument/2006/relationships" xmlns:p="http://schemas.openxmlformats.org/presentationml/2006/main" xmlns:m="http://schemas.openxmlformats.org/officeDocument/2006/math" xmlns:w="http://schemas.openxmlformats.org/wordprocessingml/2006/main" showMasterPhAnim="0" show="1">
-  <p:cSld name="">
-    <p:spTree>
-      <p:nvGrpSpPr>
-        <p:cNvPr id="1" name=""/>
-        <p:cNvGrpSpPr/>
-        <p:nvPr/>
-      </p:nvGrpSpPr>
-      <p:grpSpPr bwMode="auto">
-        <a:xfrm>
-          <a:off x="0" y="0"/>
-          <a:ext cx="0" cy="0"/>
-          <a:chOff x="0" y="0"/>
-          <a:chExt cx="0" cy="0"/>
-        </a:xfrm>
-      </p:grpSpPr>
-      <p:sp>
-        <p:nvSpPr>
-          <p:cNvPr id="1117015434" name="Title 1" hidden="0"/>
-          <p:cNvSpPr>
-            <a:spLocks noGrp="1"/>
-          </p:cNvSpPr>
-          <p:nvPr isPhoto="0" userDrawn="0">
-            <p:ph type="title" hasCustomPrompt="0"/>
-          </p:nvPr>
-        </p:nvSpPr>
-        <p:spPr bwMode="auto">
-          <a:xfrm>
-            <a:off x="711964" y="66751"/>
-            <a:ext cx="10515600" cy="1325562"/>
-          </a:xfrm>
-        </p:spPr>
-        <p:txBody>
-          <a:bodyPr vertOverflow="overflow" horzOverflow="overflow" vert="horz" wrap="square" lIns="91440" tIns="45720" rIns="91440" bIns="45720" numCol="1" spcCol="0" rtlCol="0" fromWordArt="0" anchor="ctr" anchorCtr="0" forceAA="0" upright="0" compatLnSpc="0">
-            <a:normAutofit/>
-          </a:bodyPr>
-          <a:lstStyle/>
-          <a:p>
-            <a:pPr>
-              <a:defRPr/>
-            </a:pPr>
-            <a:r>
-              <a:rPr/>
-              <a:t>Packet metadata overview</a:t>
-            </a:r>
-            <a:br>
-              <a:rPr/>
-            </a:br>
-            <a:r>
-              <a:rPr sz="2600"/>
-              <a:t>No actual proposals for encap, just various ideas...</a:t>
-            </a:r>
-            <a:endParaRPr sz="2600"/>
-          </a:p>
-        </p:txBody>
-      </p:sp>
-      <p:sp>
-        <p:nvSpPr>
-          <p:cNvPr id="564843181" name="Content Placeholder 2" hidden="0"/>
-          <p:cNvSpPr>
-            <a:spLocks noGrp="1"/>
-          </p:cNvSpPr>
-          <p:nvPr isPhoto="0" userDrawn="0">
-            <p:ph idx="1" hasCustomPrompt="0"/>
-          </p:nvPr>
-        </p:nvSpPr>
-        <p:spPr bwMode="auto">
-          <a:xfrm flipH="0" flipV="0">
-            <a:off x="838199" y="1825624"/>
-            <a:ext cx="11049299" cy="4868705"/>
-          </a:xfrm>
-        </p:spPr>
-        <p:txBody>
-          <a:bodyPr vertOverflow="overflow" horzOverflow="overflow" vert="horz" wrap="square" lIns="91440" tIns="45720" rIns="91440" bIns="45720" numCol="1" spcCol="0" rtlCol="0" fromWordArt="0" anchor="t" anchorCtr="0" forceAA="0" upright="0" compatLnSpc="0">
-            <a:normAutofit fontScale="70000" lnSpcReduction="6000"/>
-          </a:bodyPr>
-          <a:lstStyle/>
-          <a:p>
-            <a:pPr>
-              <a:defRPr/>
-            </a:pPr>
-            <a:r>
-              <a:rPr/>
-              <a:t>Some indication that gLBF processing is desired for packet</a:t>
-            </a:r>
-            <a:endParaRPr/>
-          </a:p>
-          <a:p>
-            <a:pPr lvl="1">
-              <a:defRPr/>
-            </a:pPr>
-            <a:r>
-              <a:rPr/>
-              <a:t>Could be presence of Damper or Priority field’s in packet or TC/DSCP, or ...</a:t>
-            </a:r>
-            <a:endParaRPr/>
-          </a:p>
-          <a:p>
-            <a:pPr>
-              <a:defRPr/>
-            </a:pPr>
-            <a:r>
-              <a:rPr/>
-              <a:t>D)delay (Damper) : for hops using asynchronous mode</a:t>
-            </a:r>
-            <a:endParaRPr/>
-          </a:p>
-          <a:p>
-            <a:pPr lvl="1">
-              <a:defRPr/>
-            </a:pPr>
-            <a:r>
-              <a:rPr/>
-              <a:t>per-hop rewritten. &gt;= 20 bits</a:t>
-            </a:r>
-            <a:r>
-              <a:rPr/>
-              <a:t>, suggested unit: nsec (1 msec max buffer ?)</a:t>
-            </a:r>
-            <a:endParaRPr/>
-          </a:p>
-          <a:p>
-            <a:pPr lvl="1">
-              <a:defRPr/>
-            </a:pPr>
-            <a:r>
-              <a:rPr/>
-              <a:t>MPLS: 2 top of stack labels, special function + damper value ??</a:t>
-            </a:r>
-            <a:br>
-              <a:rPr/>
-            </a:br>
-            <a:r>
-              <a:rPr/>
-              <a:t>Or better post stack data (consistency with IP/IPv6 ?)</a:t>
-            </a:r>
-            <a:endParaRPr/>
-          </a:p>
-          <a:p>
-            <a:pPr lvl="1">
-              <a:defRPr/>
-            </a:pPr>
-            <a:r>
-              <a:rPr/>
-              <a:t>IP/IPv6: in common DetNet header</a:t>
-            </a:r>
-            <a:endParaRPr/>
-          </a:p>
-          <a:p>
-            <a:pPr lvl="0">
-              <a:defRPr/>
-            </a:pPr>
-            <a:r>
-              <a:rPr/>
-              <a:t>Td: Target damper timestamp: for hops using synchronous mode</a:t>
-            </a:r>
-            <a:endParaRPr/>
-          </a:p>
-          <a:p>
-            <a:pPr lvl="1">
-              <a:defRPr/>
-            </a:pPr>
-            <a:r>
-              <a:rPr/>
-              <a:t>Could be same size as Damper field, e.g.: 20 bit, resolution nsec, </a:t>
-            </a:r>
-            <a:br>
-              <a:rPr/>
-            </a:br>
-            <a:r>
-              <a:rPr/>
-              <a:t>synchronized clock timestamp modulo 1 msec</a:t>
-            </a:r>
-            <a:endParaRPr/>
-          </a:p>
-          <a:p>
-            <a:pPr>
-              <a:defRPr/>
-            </a:pPr>
-            <a:r>
-              <a:rPr/>
-              <a:t>P)riority: 3 bit for 8 priorities (to match TSN-ATS)</a:t>
-            </a:r>
-            <a:endParaRPr/>
-          </a:p>
-          <a:p>
-            <a:pPr lvl="1">
-              <a:defRPr/>
-            </a:pPr>
-            <a:r>
-              <a:rPr/>
-              <a:t>Always read-only, not changed in processing</a:t>
-            </a:r>
-            <a:endParaRPr/>
-          </a:p>
-          <a:p>
-            <a:pPr lvl="1">
-              <a:defRPr/>
-            </a:pPr>
-            <a:r>
-              <a:rPr/>
-              <a:t>Per-path priority:  single metadata field</a:t>
-            </a:r>
-            <a:endParaRPr/>
-          </a:p>
-          <a:p>
-            <a:pPr lvl="1">
-              <a:defRPr/>
-            </a:pPr>
-            <a:r>
-              <a:rPr/>
-              <a:t>Per-hop priority, embed into SID based steering model</a:t>
-            </a:r>
-            <a:br>
-              <a:rPr/>
-            </a:br>
-            <a:r>
-              <a:rPr/>
-              <a:t>Can use all the same ideas as CSQF</a:t>
-            </a:r>
-            <a:endParaRPr/>
-          </a:p>
-          <a:p>
-            <a:pPr lvl="2">
-              <a:defRPr/>
-            </a:pPr>
-            <a:r>
-              <a:rPr/>
-              <a:t>E.g.: 8 SID per OIF or 3 bit parameter (SRv6/SRH/RFC8986)</a:t>
-            </a:r>
-            <a:endParaRPr/>
-          </a:p>
-          <a:p>
-            <a:pPr lvl="1">
-              <a:defRPr/>
-            </a:pPr>
-            <a:endParaRPr/>
-          </a:p>
-        </p:txBody>
-      </p:sp>
-    </p:spTree>
-  </p:cSld>
-  <p:clrMapOvr>
-    <a:masterClrMapping/>
-  </p:clrMapOvr>
-  <mc:AlternateContent xmlns:mc="http://schemas.openxmlformats.org/markup-compatibility/2006">
-    <mc:Choice xmlns:p14="http://schemas.microsoft.com/office/powerpoint/2010/main" Requires="p14">
-      <p:transition p14:dur="2000" advClick="1"/>
-    </mc:Choice>
-    <mc:Fallback>
-      <p:transition advClick="1"/>
-    </mc:Fallback>
-  </mc:AlternateContent>
-</p:sld>
-</file>
-
 <file path=ppt/slides/slide4.xml><?xml version="1.0" encoding="utf-8"?>
 <p:sld xmlns:a="http://schemas.openxmlformats.org/drawingml/2006/main" xmlns:r="http://schemas.openxmlformats.org/officeDocument/2006/relationships" xmlns:p="http://schemas.openxmlformats.org/presentationml/2006/main" xmlns:m="http://schemas.openxmlformats.org/officeDocument/2006/math" xmlns:w="http://schemas.openxmlformats.org/wordprocessingml/2006/main" showMasterPhAnim="0" show="1">
   <p:cSld name="">
@@ -43272,6 +44475,263 @@
 </file>
 
 <file path=ppt/slides/slide40.xml><?xml version="1.0" encoding="utf-8"?>
+<p:sld xmlns:a="http://schemas.openxmlformats.org/drawingml/2006/main" xmlns:r="http://schemas.openxmlformats.org/officeDocument/2006/relationships" xmlns:p="http://schemas.openxmlformats.org/presentationml/2006/main" xmlns:m="http://schemas.openxmlformats.org/officeDocument/2006/math" xmlns:w="http://schemas.openxmlformats.org/wordprocessingml/2006/main" showMasterPhAnim="0" show="1">
+  <p:cSld name="">
+    <p:spTree>
+      <p:nvGrpSpPr>
+        <p:cNvPr id="1" name=""/>
+        <p:cNvGrpSpPr/>
+        <p:nvPr/>
+      </p:nvGrpSpPr>
+      <p:grpSpPr bwMode="auto">
+        <a:xfrm>
+          <a:off x="0" y="0"/>
+          <a:ext cx="0" cy="0"/>
+          <a:chOff x="0" y="0"/>
+          <a:chExt cx="0" cy="0"/>
+        </a:xfrm>
+      </p:grpSpPr>
+      <p:sp>
+        <p:nvSpPr>
+          <p:cNvPr id="1117015434" name="Title 1" hidden="0"/>
+          <p:cNvSpPr>
+            <a:spLocks noGrp="1"/>
+          </p:cNvSpPr>
+          <p:nvPr isPhoto="0" userDrawn="0">
+            <p:ph type="title" hasCustomPrompt="0"/>
+          </p:nvPr>
+        </p:nvSpPr>
+        <p:spPr bwMode="auto">
+          <a:xfrm>
+            <a:off x="711964" y="66751"/>
+            <a:ext cx="10515600" cy="1325562"/>
+          </a:xfrm>
+        </p:spPr>
+        <p:txBody>
+          <a:bodyPr vertOverflow="overflow" horzOverflow="overflow" vert="horz" wrap="square" lIns="91440" tIns="45720" rIns="91440" bIns="45720" numCol="1" spcCol="0" rtlCol="0" fromWordArt="0" anchor="ctr" anchorCtr="0" forceAA="0" upright="0" compatLnSpc="0">
+            <a:normAutofit/>
+          </a:bodyPr>
+          <a:lstStyle/>
+          <a:p>
+            <a:pPr>
+              <a:defRPr/>
+            </a:pPr>
+            <a:r>
+              <a:rPr/>
+              <a:t>Packet metadata overview</a:t>
+            </a:r>
+            <a:br>
+              <a:rPr/>
+            </a:br>
+            <a:r>
+              <a:rPr sz="2600"/>
+              <a:t>No actual proposals for encap, just various ideas...</a:t>
+            </a:r>
+            <a:endParaRPr sz="2600"/>
+          </a:p>
+        </p:txBody>
+      </p:sp>
+      <p:sp>
+        <p:nvSpPr>
+          <p:cNvPr id="564843181" name="Content Placeholder 2" hidden="0"/>
+          <p:cNvSpPr>
+            <a:spLocks noGrp="1"/>
+          </p:cNvSpPr>
+          <p:nvPr isPhoto="0" userDrawn="0">
+            <p:ph idx="1" hasCustomPrompt="0"/>
+          </p:nvPr>
+        </p:nvSpPr>
+        <p:spPr bwMode="auto">
+          <a:xfrm flipH="0" flipV="0">
+            <a:off x="838199" y="1825624"/>
+            <a:ext cx="11049299" cy="4868705"/>
+          </a:xfrm>
+        </p:spPr>
+        <p:txBody>
+          <a:bodyPr vertOverflow="overflow" horzOverflow="overflow" vert="horz" wrap="square" lIns="91440" tIns="45720" rIns="91440" bIns="45720" numCol="1" spcCol="0" rtlCol="0" fromWordArt="0" anchor="t" anchorCtr="0" forceAA="0" upright="0" compatLnSpc="0">
+            <a:normAutofit fontScale="70000" lnSpcReduction="6000"/>
+          </a:bodyPr>
+          <a:lstStyle/>
+          <a:p>
+            <a:pPr>
+              <a:defRPr/>
+            </a:pPr>
+            <a:r>
+              <a:rPr/>
+              <a:t>Some indication that gLBF processing is desired for packet</a:t>
+            </a:r>
+            <a:endParaRPr/>
+          </a:p>
+          <a:p>
+            <a:pPr lvl="1">
+              <a:defRPr/>
+            </a:pPr>
+            <a:r>
+              <a:rPr/>
+              <a:t>Could be presence of Damper or Priority field’s in packet or TC/DSCP, or ...</a:t>
+            </a:r>
+            <a:endParaRPr/>
+          </a:p>
+          <a:p>
+            <a:pPr>
+              <a:defRPr/>
+            </a:pPr>
+            <a:r>
+              <a:rPr/>
+              <a:t>D)delay (Damper) : for hops using asynchronous mode</a:t>
+            </a:r>
+            <a:endParaRPr/>
+          </a:p>
+          <a:p>
+            <a:pPr lvl="1">
+              <a:defRPr/>
+            </a:pPr>
+            <a:r>
+              <a:rPr/>
+              <a:t>per-hop rewritten. &gt;= 20 bits</a:t>
+            </a:r>
+            <a:r>
+              <a:rPr/>
+              <a:t>, suggested unit: nsec (1 msec max buffer ?)</a:t>
+            </a:r>
+            <a:endParaRPr/>
+          </a:p>
+          <a:p>
+            <a:pPr lvl="1">
+              <a:defRPr/>
+            </a:pPr>
+            <a:r>
+              <a:rPr/>
+              <a:t>MPLS: 2 top of stack labels, special function + damper value ??</a:t>
+            </a:r>
+            <a:br>
+              <a:rPr/>
+            </a:br>
+            <a:r>
+              <a:rPr/>
+              <a:t>Or better post stack data (consistency with IP/IPv6 ?)</a:t>
+            </a:r>
+            <a:endParaRPr/>
+          </a:p>
+          <a:p>
+            <a:pPr lvl="1">
+              <a:defRPr/>
+            </a:pPr>
+            <a:r>
+              <a:rPr/>
+              <a:t>IP/IPv6: in common DetNet header</a:t>
+            </a:r>
+            <a:endParaRPr/>
+          </a:p>
+          <a:p>
+            <a:pPr lvl="0">
+              <a:defRPr/>
+            </a:pPr>
+            <a:r>
+              <a:rPr/>
+              <a:t>Td: Target damper timestamp: for hops using synchronous mode</a:t>
+            </a:r>
+            <a:endParaRPr/>
+          </a:p>
+          <a:p>
+            <a:pPr lvl="1">
+              <a:defRPr/>
+            </a:pPr>
+            <a:r>
+              <a:rPr/>
+              <a:t>Could be same size as Damper field, e.g.: 20 bit, resolution nsec, </a:t>
+            </a:r>
+            <a:br>
+              <a:rPr/>
+            </a:br>
+            <a:r>
+              <a:rPr/>
+              <a:t>synchronized clock timestamp modulo 1 msec</a:t>
+            </a:r>
+            <a:endParaRPr/>
+          </a:p>
+          <a:p>
+            <a:pPr>
+              <a:defRPr/>
+            </a:pPr>
+            <a:r>
+              <a:rPr/>
+              <a:t>P)riority: 3 bit for 8 priorities (to match TSN-ATS)</a:t>
+            </a:r>
+            <a:endParaRPr/>
+          </a:p>
+          <a:p>
+            <a:pPr lvl="1">
+              <a:defRPr/>
+            </a:pPr>
+            <a:r>
+              <a:rPr/>
+              <a:t>Always read-only, not changed in processing</a:t>
+            </a:r>
+            <a:endParaRPr/>
+          </a:p>
+          <a:p>
+            <a:pPr lvl="1">
+              <a:defRPr/>
+            </a:pPr>
+            <a:r>
+              <a:rPr/>
+              <a:t>Per-path priority:  single metadata field</a:t>
+            </a:r>
+            <a:endParaRPr/>
+          </a:p>
+          <a:p>
+            <a:pPr lvl="1">
+              <a:defRPr/>
+            </a:pPr>
+            <a:r>
+              <a:rPr/>
+              <a:t>Per-hop priority, embed into SID based steering model</a:t>
+            </a:r>
+            <a:br>
+              <a:rPr/>
+            </a:br>
+            <a:r>
+              <a:rPr/>
+              <a:t>Can use all the same ideas as CSQF</a:t>
+            </a:r>
+            <a:endParaRPr/>
+          </a:p>
+          <a:p>
+            <a:pPr lvl="2">
+              <a:defRPr/>
+            </a:pPr>
+            <a:r>
+              <a:rPr/>
+              <a:t>E.g.: 8 SID per OIF or 3 bit parameter (SRv6/SRH/RFC8986)</a:t>
+            </a:r>
+            <a:endParaRPr/>
+          </a:p>
+          <a:p>
+            <a:pPr lvl="1">
+              <a:defRPr/>
+            </a:pPr>
+            <a:endParaRPr/>
+          </a:p>
+        </p:txBody>
+      </p:sp>
+    </p:spTree>
+  </p:cSld>
+  <p:clrMapOvr>
+    <a:masterClrMapping/>
+  </p:clrMapOvr>
+  <mc:AlternateContent xmlns:mc="http://schemas.openxmlformats.org/markup-compatibility/2006">
+    <mc:Choice xmlns:p14="http://schemas.microsoft.com/office/powerpoint/2010/main" Requires="p14">
+      <p:transition p14:dur="2000" advClick="1"/>
+    </mc:Choice>
+    <mc:Fallback>
+      <p:transition advClick="1"/>
+    </mc:Fallback>
+  </mc:AlternateContent>
+</p:sld>
+</file>
+
+<file path=ppt/slides/slide41.xml><?xml version="1.0" encoding="utf-8"?>
 <p:sld xmlns:a="http://schemas.openxmlformats.org/drawingml/2006/main" xmlns:r="http://schemas.openxmlformats.org/officeDocument/2006/relationships" xmlns:p="http://schemas.openxmlformats.org/presentationml/2006/main" xmlns:m="http://schemas.openxmlformats.org/officeDocument/2006/math" xmlns:w="http://schemas.openxmlformats.org/wordprocessingml/2006/main" showMasterPhAnim="0" show="1">
   <p:cSld name="">
     <p:spTree>
@@ -43457,7 +44917,7 @@
 </p:sld>
 </file>
 
-<file path=ppt/slides/slide41.xml><?xml version="1.0" encoding="utf-8"?>
+<file path=ppt/slides/slide42.xml><?xml version="1.0" encoding="utf-8"?>
 <p:sld xmlns:a="http://schemas.openxmlformats.org/drawingml/2006/main" xmlns:r="http://schemas.openxmlformats.org/officeDocument/2006/relationships" xmlns:p="http://schemas.openxmlformats.org/presentationml/2006/main" xmlns:m="http://schemas.openxmlformats.org/officeDocument/2006/math" xmlns:w="http://schemas.openxmlformats.org/wordprocessingml/2006/main" showMasterPhAnim="0" show="1">
   <p:cSld name="">
     <p:spTree>
@@ -43656,7 +45116,7 @@
 </p:sld>
 </file>
 
-<file path=ppt/slides/slide42.xml><?xml version="1.0" encoding="utf-8"?>
+<file path=ppt/slides/slide43.xml><?xml version="1.0" encoding="utf-8"?>
 <p:sld xmlns:a="http://schemas.openxmlformats.org/drawingml/2006/main" xmlns:r="http://schemas.openxmlformats.org/officeDocument/2006/relationships" xmlns:p="http://schemas.openxmlformats.org/presentationml/2006/main" xmlns:m="http://schemas.openxmlformats.org/officeDocument/2006/math" xmlns:w="http://schemas.openxmlformats.org/wordprocessingml/2006/main" showMasterPhAnim="0" show="1">
   <p:cSld name="">
     <p:spTree>
@@ -43857,7 +45317,7 @@
 </p:sld>
 </file>
 
-<file path=ppt/slides/slide43.xml><?xml version="1.0" encoding="utf-8"?>
+<file path=ppt/slides/slide44.xml><?xml version="1.0" encoding="utf-8"?>
 <p:sld xmlns:a="http://schemas.openxmlformats.org/drawingml/2006/main" xmlns:r="http://schemas.openxmlformats.org/officeDocument/2006/relationships" xmlns:p="http://schemas.openxmlformats.org/presentationml/2006/main" xmlns:m="http://schemas.openxmlformats.org/officeDocument/2006/math" xmlns:w="http://schemas.openxmlformats.org/wordprocessingml/2006/main" showMasterPhAnim="0" show="1">
   <p:cSld name="">
     <p:spTree>
@@ -44050,7 +45510,7 @@
 </p:sld>
 </file>
 
-<file path=ppt/slides/slide44.xml><?xml version="1.0" encoding="utf-8"?>
+<file path=ppt/slides/slide45.xml><?xml version="1.0" encoding="utf-8"?>
 <p:sld xmlns:a="http://schemas.openxmlformats.org/drawingml/2006/main" xmlns:r="http://schemas.openxmlformats.org/officeDocument/2006/relationships" xmlns:p="http://schemas.openxmlformats.org/presentationml/2006/main" xmlns:m="http://schemas.openxmlformats.org/officeDocument/2006/math" xmlns:w="http://schemas.openxmlformats.org/wordprocessingml/2006/main" showMasterPhAnim="0" show="1">
   <p:cSld name="">
     <p:spTree>
@@ -44455,7 +45915,7 @@
 </p:sld>
 </file>
 
-<file path=ppt/slides/slide45.xml><?xml version="1.0" encoding="utf-8"?>
+<file path=ppt/slides/slide46.xml><?xml version="1.0" encoding="utf-8"?>
 <p:sld xmlns:a="http://schemas.openxmlformats.org/drawingml/2006/main" xmlns:r="http://schemas.openxmlformats.org/officeDocument/2006/relationships" xmlns:p="http://schemas.openxmlformats.org/presentationml/2006/main" xmlns:m="http://schemas.openxmlformats.org/officeDocument/2006/math" xmlns:w="http://schemas.openxmlformats.org/wordprocessingml/2006/main" showMasterPhAnim="0" show="1">
   <p:cSld name="">
     <p:spTree>
@@ -44648,7 +46108,7 @@
 </p:sld>
 </file>
 
-<file path=ppt/slides/slide46.xml><?xml version="1.0" encoding="utf-8"?>
+<file path=ppt/slides/slide47.xml><?xml version="1.0" encoding="utf-8"?>
 <p:sld xmlns:a="http://schemas.openxmlformats.org/drawingml/2006/main" xmlns:r="http://schemas.openxmlformats.org/officeDocument/2006/relationships" xmlns:p="http://schemas.openxmlformats.org/presentationml/2006/main" xmlns:m="http://schemas.openxmlformats.org/officeDocument/2006/math" xmlns:w="http://schemas.openxmlformats.org/wordprocessingml/2006/main" showMasterPhAnim="0" show="1">
   <p:cSld name="">
     <p:spTree>
@@ -46044,7 +47504,7 @@
         <p:spPr bwMode="auto">
           <a:xfrm flipH="0" flipV="0">
             <a:off x="1866126" y="1301302"/>
-            <a:ext cx="3131275" cy="457560"/>
+            <a:ext cx="1911634" cy="457560"/>
           </a:xfrm>
           <a:prstGeom prst="rect">
             <a:avLst/>
@@ -46061,7 +47521,7 @@
             </a:pPr>
             <a:r>
               <a:rPr sz="2400"/>
-              <a:t>R2: Router 1 (sender)</a:t>
+              <a:t>R1: Router 1 </a:t>
             </a:r>
             <a:endParaRPr sz="2400"/>
           </a:p>
@@ -46076,7 +47536,7 @@
         <p:spPr bwMode="auto">
           <a:xfrm flipH="0" flipV="0">
             <a:off x="7854265" y="1301302"/>
-            <a:ext cx="3283374" cy="457560"/>
+            <a:ext cx="1911634" cy="457560"/>
           </a:xfrm>
           <a:prstGeom prst="rect">
             <a:avLst/>
@@ -46093,7 +47553,7 @@
             </a:pPr>
             <a:r>
               <a:rPr sz="2400"/>
-              <a:t>R2: Router 2 (receiver)</a:t>
+              <a:t>R2: Router 2 </a:t>
             </a:r>
             <a:endParaRPr sz="2400"/>
           </a:p>
